--- a/EDA/hypothesis_testing.pptx
+++ b/EDA/hypothesis_testing.pptx
@@ -18,6 +18,12 @@
     <p:sldId id="262" r:id="rId10"/>
     <p:sldId id="263" r:id="rId12"/>
     <p:sldId id="264" r:id="rId13"/>
+    <p:sldId id="274" r:id="rId14"/>
+    <p:sldId id="275" r:id="rId15"/>
+    <p:sldId id="276" r:id="rId16"/>
+    <p:sldId id="277" r:id="rId17"/>
+    <p:sldId id="278" r:id="rId18"/>
+    <p:sldId id="279" r:id="rId19"/>
   </p:sldIdLst>
   <p:sldSz cx="12192000" cy="6858000"/>
   <p:notesSz cx="12192000" cy="6858000"/>
@@ -116,7 +122,7 @@
   <p:extLst>
     <p:ext uri="{EFAFB233-063F-42B5-8137-9DF3F51BA10A}">
       <p15:sldGuideLst xmlns:p15="http://schemas.microsoft.com/office/powerpoint/2012/main">
-        <p15:guide id="1" orient="horz" pos="2880" userDrawn="1">
+        <p15:guide id="1" orient="horz" pos="2904" userDrawn="1">
           <p15:clr>
             <a:srgbClr val="A4A3A4"/>
           </p15:clr>
@@ -1999,28 +2005,6 @@
           </a:p>
         </p:txBody>
       </p:sp>
-      <p:pic>
-        <p:nvPicPr>
-          <p:cNvPr id="3" name="object 3"/>
-          <p:cNvPicPr/>
-          <p:nvPr/>
-        </p:nvPicPr>
-        <p:blipFill>
-          <a:blip r:embed="rId1" cstate="print"/>
-          <a:stretch>
-            <a:fillRect/>
-          </a:stretch>
-        </p:blipFill>
-        <p:spPr>
-          <a:xfrm>
-            <a:off x="10248900" y="6513574"/>
-            <a:ext cx="1874520" cy="275844"/>
-          </a:xfrm>
-          <a:prstGeom prst="rect">
-            <a:avLst/>
-          </a:prstGeom>
-        </p:spPr>
-      </p:pic>
       <p:sp>
         <p:nvSpPr>
           <p:cNvPr id="4" name="object 4"/>
@@ -8603,7 +8587,7 @@
             <p:nvPr/>
           </p:nvPicPr>
           <p:blipFill>
-            <a:blip r:embed="rId2" cstate="print"/>
+            <a:blip r:embed="rId1" cstate="print"/>
             <a:stretch>
               <a:fillRect/>
             </a:stretch>
@@ -8625,7 +8609,7 @@
             <p:nvPr/>
           </p:nvPicPr>
           <p:blipFill>
-            <a:blip r:embed="rId3" cstate="print"/>
+            <a:blip r:embed="rId2" cstate="print"/>
             <a:stretch>
               <a:fillRect/>
             </a:stretch>
@@ -8647,7 +8631,7 @@
             <p:nvPr/>
           </p:nvPicPr>
           <p:blipFill>
-            <a:blip r:embed="rId4" cstate="print"/>
+            <a:blip r:embed="rId3" cstate="print"/>
             <a:stretch>
               <a:fillRect/>
             </a:stretch>
@@ -9121,6 +9105,2112 @@
 </p:sld>
 </file>
 
+<file path=ppt/slides/slide11.xml><?xml version="1.0" encoding="utf-8"?>
+<p:sld xmlns:a="http://schemas.openxmlformats.org/drawingml/2006/main" xmlns:r="http://schemas.openxmlformats.org/officeDocument/2006/relationships" xmlns:p="http://schemas.openxmlformats.org/presentationml/2006/main">
+  <p:cSld>
+    <p:spTree>
+      <p:nvGrpSpPr>
+        <p:cNvPr id="1" name=""/>
+        <p:cNvGrpSpPr/>
+        <p:nvPr/>
+      </p:nvGrpSpPr>
+      <p:grpSpPr/>
+      <p:sp>
+        <p:nvSpPr>
+          <p:cNvPr id="2" name="Title 1"/>
+          <p:cNvSpPr>
+            <a:spLocks noGrp="1"/>
+          </p:cNvSpPr>
+          <p:nvPr>
+            <p:ph type="ctrTitle"/>
+          </p:nvPr>
+        </p:nvSpPr>
+        <p:spPr>
+          <a:xfrm>
+            <a:off x="84455" y="228600"/>
+            <a:ext cx="12013565" cy="615315"/>
+          </a:xfrm>
+        </p:spPr>
+        <p:txBody>
+          <a:bodyPr>
+            <a:noAutofit/>
+          </a:bodyPr>
+          <a:p>
+            <a:r>
+              <a:rPr lang="en-US"/>
+              <a:t>To calculate the confidence interval for a population mean with a known standard deviation, you can use the following formula:</a:t>
+            </a:r>
+            <a:endParaRPr lang="en-US"/>
+          </a:p>
+        </p:txBody>
+      </p:sp>
+      <p:sp>
+        <p:nvSpPr>
+          <p:cNvPr id="3" name="Subtitle 2"/>
+          <p:cNvSpPr>
+            <a:spLocks noGrp="1"/>
+          </p:cNvSpPr>
+          <p:nvPr>
+            <p:ph type="subTitle" idx="4"/>
+          </p:nvPr>
+        </p:nvSpPr>
+        <p:spPr>
+          <a:xfrm>
+            <a:off x="152400" y="1219200"/>
+            <a:ext cx="11856720" cy="5593080"/>
+          </a:xfrm>
+        </p:spPr>
+        <p:txBody>
+          <a:bodyPr>
+            <a:noAutofit/>
+          </a:bodyPr>
+          <a:p>
+            <a:r>
+              <a:rPr lang="en-US" sz="1600">
+                <a:solidFill>
+                  <a:schemeClr val="tx1"/>
+                </a:solidFill>
+              </a:rPr>
+              <a:t>Sample Size = 30</a:t>
+            </a:r>
+            <a:endParaRPr lang="en-US" sz="1600">
+              <a:solidFill>
+                <a:schemeClr val="tx1"/>
+              </a:solidFill>
+            </a:endParaRPr>
+          </a:p>
+          <a:p>
+            <a:r>
+              <a:rPr lang="en-US" sz="1600">
+                <a:solidFill>
+                  <a:schemeClr val="tx1"/>
+                </a:solidFill>
+              </a:rPr>
+              <a:t>Sample Standard Deviation = 100</a:t>
+            </a:r>
+            <a:endParaRPr lang="en-US" sz="1600">
+              <a:solidFill>
+                <a:schemeClr val="tx1"/>
+              </a:solidFill>
+            </a:endParaRPr>
+          </a:p>
+          <a:p>
+            <a:r>
+              <a:rPr lang="en-US" sz="1600">
+                <a:solidFill>
+                  <a:schemeClr val="tx1"/>
+                </a:solidFill>
+              </a:rPr>
+              <a:t>Sample Mean = 500</a:t>
+            </a:r>
+            <a:endParaRPr lang="en-US" sz="1600">
+              <a:solidFill>
+                <a:schemeClr val="tx1"/>
+              </a:solidFill>
+            </a:endParaRPr>
+          </a:p>
+          <a:p>
+            <a:r>
+              <a:rPr lang="en-US" sz="1600">
+                <a:solidFill>
+                  <a:schemeClr val="tx1"/>
+                </a:solidFill>
+              </a:rPr>
+              <a:t>Confidence Level = 95%</a:t>
+            </a:r>
+            <a:endParaRPr lang="en-US" sz="1600">
+              <a:solidFill>
+                <a:schemeClr val="tx1"/>
+              </a:solidFill>
+            </a:endParaRPr>
+          </a:p>
+          <a:p>
+            <a:endParaRPr lang="en-US" sz="1600">
+              <a:solidFill>
+                <a:schemeClr val="tx1"/>
+              </a:solidFill>
+            </a:endParaRPr>
+          </a:p>
+          <a:p>
+            <a:r>
+              <a:rPr lang="en-US" sz="1600">
+                <a:solidFill>
+                  <a:schemeClr val="tx1"/>
+                </a:solidFill>
+              </a:rPr>
+              <a:t>To calculate the confidence interval for a population mean with a known standard deviation, use the formula:</a:t>
+            </a:r>
+            <a:endParaRPr lang="en-US" sz="1600">
+              <a:solidFill>
+                <a:schemeClr val="tx1"/>
+              </a:solidFill>
+            </a:endParaRPr>
+          </a:p>
+          <a:p>
+            <a:endParaRPr lang="en-US" sz="1600">
+              <a:solidFill>
+                <a:schemeClr val="tx1"/>
+              </a:solidFill>
+            </a:endParaRPr>
+          </a:p>
+          <a:p>
+            <a:r>
+              <a:rPr lang="en-US" sz="1600">
+                <a:solidFill>
+                  <a:schemeClr val="tx1"/>
+                </a:solidFill>
+              </a:rPr>
+              <a:t>Confidence Interval = (X̄ - Z(σ/√n), X̄ + Z(σ/√n))</a:t>
+            </a:r>
+            <a:endParaRPr lang="en-US" sz="1600">
+              <a:solidFill>
+                <a:schemeClr val="tx1"/>
+              </a:solidFill>
+            </a:endParaRPr>
+          </a:p>
+          <a:p>
+            <a:endParaRPr lang="en-US" sz="1600">
+              <a:solidFill>
+                <a:schemeClr val="tx1"/>
+              </a:solidFill>
+            </a:endParaRPr>
+          </a:p>
+          <a:p>
+            <a:r>
+              <a:rPr lang="en-US" sz="1600">
+                <a:solidFill>
+                  <a:schemeClr val="tx1"/>
+                </a:solidFill>
+              </a:rPr>
+              <a:t>For a 95% confidence level:</a:t>
+            </a:r>
+            <a:endParaRPr lang="en-US" sz="1600">
+              <a:solidFill>
+                <a:schemeClr val="tx1"/>
+              </a:solidFill>
+            </a:endParaRPr>
+          </a:p>
+          <a:p>
+            <a:r>
+              <a:rPr lang="en-US" sz="1600">
+                <a:solidFill>
+                  <a:schemeClr val="tx1"/>
+                </a:solidFill>
+              </a:rPr>
+              <a:t>- Z ≈ 1.96 (corresponding to a cumulative probability of 0.975)</a:t>
+            </a:r>
+            <a:endParaRPr lang="en-US" sz="1600">
+              <a:solidFill>
+                <a:schemeClr val="tx1"/>
+              </a:solidFill>
+            </a:endParaRPr>
+          </a:p>
+          <a:p>
+            <a:endParaRPr lang="en-US" sz="1600">
+              <a:solidFill>
+                <a:schemeClr val="tx1"/>
+              </a:solidFill>
+            </a:endParaRPr>
+          </a:p>
+          <a:p>
+            <a:r>
+              <a:rPr lang="en-US" sz="1600">
+                <a:solidFill>
+                  <a:schemeClr val="tx1"/>
+                </a:solidFill>
+              </a:rPr>
+              <a:t>Substitute the values:</a:t>
+            </a:r>
+            <a:endParaRPr lang="en-US" sz="1600">
+              <a:solidFill>
+                <a:schemeClr val="tx1"/>
+              </a:solidFill>
+            </a:endParaRPr>
+          </a:p>
+          <a:p>
+            <a:r>
+              <a:rPr lang="en-US" sz="1600">
+                <a:solidFill>
+                  <a:schemeClr val="tx1"/>
+                </a:solidFill>
+              </a:rPr>
+              <a:t>Confidence Interval ≈ (500 - 1.96(100/√30), 500 + 1.96(100/√30))</a:t>
+            </a:r>
+            <a:endParaRPr lang="en-US" sz="1600">
+              <a:solidFill>
+                <a:schemeClr val="tx1"/>
+              </a:solidFill>
+            </a:endParaRPr>
+          </a:p>
+          <a:p>
+            <a:endParaRPr lang="en-US" sz="1600">
+              <a:solidFill>
+                <a:schemeClr val="tx1"/>
+              </a:solidFill>
+            </a:endParaRPr>
+          </a:p>
+          <a:p>
+            <a:r>
+              <a:rPr lang="en-US" sz="1600">
+                <a:solidFill>
+                  <a:schemeClr val="tx1"/>
+                </a:solidFill>
+              </a:rPr>
+              <a:t>Calculating:</a:t>
+            </a:r>
+            <a:endParaRPr lang="en-US" sz="1600">
+              <a:solidFill>
+                <a:schemeClr val="tx1"/>
+              </a:solidFill>
+            </a:endParaRPr>
+          </a:p>
+          <a:p>
+            <a:r>
+              <a:rPr lang="en-US" sz="1600">
+                <a:solidFill>
+                  <a:schemeClr val="tx1"/>
+                </a:solidFill>
+              </a:rPr>
+              <a:t>Confidence Interval ≈ (500 - 35.764, 500 + 35.764)</a:t>
+            </a:r>
+            <a:endParaRPr lang="en-US" sz="1600">
+              <a:solidFill>
+                <a:schemeClr val="tx1"/>
+              </a:solidFill>
+            </a:endParaRPr>
+          </a:p>
+          <a:p>
+            <a:endParaRPr lang="en-US" sz="1600">
+              <a:solidFill>
+                <a:schemeClr val="tx1"/>
+              </a:solidFill>
+            </a:endParaRPr>
+          </a:p>
+          <a:p>
+            <a:r>
+              <a:rPr lang="en-US" sz="1600">
+                <a:solidFill>
+                  <a:schemeClr val="tx1"/>
+                </a:solidFill>
+              </a:rPr>
+              <a:t>Result:</a:t>
+            </a:r>
+            <a:endParaRPr lang="en-US" sz="1600">
+              <a:solidFill>
+                <a:schemeClr val="tx1"/>
+              </a:solidFill>
+            </a:endParaRPr>
+          </a:p>
+          <a:p>
+            <a:r>
+              <a:rPr lang="en-US" sz="1600">
+                <a:solidFill>
+                  <a:schemeClr val="tx1"/>
+                </a:solidFill>
+              </a:rPr>
+              <a:t>Confidence Interval ≈ (464.236, 535.764)</a:t>
+            </a:r>
+            <a:endParaRPr lang="en-US" sz="1600">
+              <a:solidFill>
+                <a:schemeClr val="tx1"/>
+              </a:solidFill>
+            </a:endParaRPr>
+          </a:p>
+          <a:p>
+            <a:endParaRPr lang="en-US" sz="1600">
+              <a:solidFill>
+                <a:schemeClr val="tx1"/>
+              </a:solidFill>
+            </a:endParaRPr>
+          </a:p>
+          <a:p>
+            <a:r>
+              <a:rPr lang="en-US" sz="1600">
+                <a:solidFill>
+                  <a:schemeClr val="tx1"/>
+                </a:solidFill>
+              </a:rPr>
+              <a:t>Therefore, the 95% confidence interval for the population mean is approximately (464.236, 535.764).</a:t>
+            </a:r>
+            <a:endParaRPr lang="en-US" sz="1600">
+              <a:solidFill>
+                <a:schemeClr val="tx1"/>
+              </a:solidFill>
+            </a:endParaRPr>
+          </a:p>
+        </p:txBody>
+      </p:sp>
+    </p:spTree>
+  </p:cSld>
+  <p:clrMapOvr>
+    <a:masterClrMapping/>
+  </p:clrMapOvr>
+</p:sld>
+</file>
+
+<file path=ppt/slides/slide12.xml><?xml version="1.0" encoding="utf-8"?>
+<p:sld xmlns:a="http://schemas.openxmlformats.org/drawingml/2006/main" xmlns:r="http://schemas.openxmlformats.org/officeDocument/2006/relationships" xmlns:p="http://schemas.openxmlformats.org/presentationml/2006/main">
+  <p:cSld>
+    <p:spTree>
+      <p:nvGrpSpPr>
+        <p:cNvPr id="1" name=""/>
+        <p:cNvGrpSpPr/>
+        <p:nvPr/>
+      </p:nvGrpSpPr>
+      <p:grpSpPr/>
+      <p:sp>
+        <p:nvSpPr>
+          <p:cNvPr id="2" name="Title 1"/>
+          <p:cNvSpPr>
+            <a:spLocks noGrp="1"/>
+          </p:cNvSpPr>
+          <p:nvPr>
+            <p:ph type="ctrTitle"/>
+          </p:nvPr>
+        </p:nvSpPr>
+        <p:spPr>
+          <a:xfrm>
+            <a:off x="29210" y="533400"/>
+            <a:ext cx="11869420" cy="706755"/>
+          </a:xfrm>
+        </p:spPr>
+        <p:txBody>
+          <a:bodyPr>
+            <a:noAutofit/>
+          </a:bodyPr>
+          <a:p>
+            <a:r>
+              <a:rPr lang="en-US" sz="1800"/>
+              <a:t>The average weight of all residents in town XYZ is 168 lbs. A nutritionist believes the true mean to be different. She measured the weight of 36 individuals and found the mean to be 169.5 lbs with a standard deviation of 3.9. (a) State the null and alternative hypotheses. (b) At a 95% confidence level, is there enough evidence to discard the null hypothesis? (Use the p-value method)</a:t>
+            </a:r>
+            <a:endParaRPr lang="en-US" sz="1800"/>
+          </a:p>
+        </p:txBody>
+      </p:sp>
+      <p:sp>
+        <p:nvSpPr>
+          <p:cNvPr id="3" name="Subtitle 2"/>
+          <p:cNvSpPr>
+            <a:spLocks noGrp="1"/>
+          </p:cNvSpPr>
+          <p:nvPr>
+            <p:ph type="subTitle" idx="4"/>
+          </p:nvPr>
+        </p:nvSpPr>
+        <p:spPr>
+          <a:xfrm>
+            <a:off x="37465" y="1752600"/>
+            <a:ext cx="11861165" cy="5066030"/>
+          </a:xfrm>
+        </p:spPr>
+        <p:txBody>
+          <a:bodyPr>
+            <a:noAutofit/>
+          </a:bodyPr>
+          <a:p>
+            <a:r>
+              <a:rPr lang="en-US" sz="1600">
+                <a:solidFill>
+                  <a:schemeClr val="tx1"/>
+                </a:solidFill>
+              </a:rPr>
+              <a:t>(a) Null and Alternative Hypotheses:</a:t>
+            </a:r>
+            <a:endParaRPr lang="en-US" sz="1600">
+              <a:solidFill>
+                <a:schemeClr val="tx1"/>
+              </a:solidFill>
+            </a:endParaRPr>
+          </a:p>
+          <a:p>
+            <a:r>
+              <a:rPr lang="en-US" sz="1600">
+                <a:solidFill>
+                  <a:schemeClr val="tx1"/>
+                </a:solidFill>
+              </a:rPr>
+              <a:t>H0: μ = 168  # </a:t>
+            </a:r>
+            <a:r>
+              <a:rPr lang="en-US" sz="1600">
+                <a:solidFill>
+                  <a:schemeClr val="tx1"/>
+                </a:solidFill>
+                <a:sym typeface="+mn-ea"/>
+              </a:rPr>
+              <a:t>μ </a:t>
+            </a:r>
+            <a:r>
+              <a:rPr lang="en-US" sz="1600">
+                <a:solidFill>
+                  <a:schemeClr val="tx1"/>
+                </a:solidFill>
+              </a:rPr>
+              <a:t>represents the population mean </a:t>
+            </a:r>
+            <a:endParaRPr lang="en-US" sz="1600">
+              <a:solidFill>
+                <a:schemeClr val="tx1"/>
+              </a:solidFill>
+            </a:endParaRPr>
+          </a:p>
+          <a:p>
+            <a:r>
+              <a:rPr lang="en-US" sz="1600">
+                <a:solidFill>
+                  <a:schemeClr val="tx1"/>
+                </a:solidFill>
+              </a:rPr>
+              <a:t>H1: μ ≠ 168</a:t>
+            </a:r>
+            <a:endParaRPr lang="en-US" sz="1600">
+              <a:solidFill>
+                <a:schemeClr val="tx1"/>
+              </a:solidFill>
+            </a:endParaRPr>
+          </a:p>
+          <a:p>
+            <a:endParaRPr lang="en-US" sz="1600">
+              <a:solidFill>
+                <a:schemeClr val="tx1"/>
+              </a:solidFill>
+            </a:endParaRPr>
+          </a:p>
+          <a:p>
+            <a:r>
+              <a:rPr lang="en-US" sz="1600">
+                <a:solidFill>
+                  <a:schemeClr val="tx1"/>
+                </a:solidFill>
+              </a:rPr>
+              <a:t>(b) Given values:</a:t>
+            </a:r>
+            <a:endParaRPr lang="en-US" sz="1600">
+              <a:solidFill>
+                <a:schemeClr val="tx1"/>
+              </a:solidFill>
+            </a:endParaRPr>
+          </a:p>
+          <a:p>
+            <a:r>
+              <a:rPr lang="en-US" sz="1600">
+                <a:solidFill>
+                  <a:schemeClr val="tx1"/>
+                </a:solidFill>
+              </a:rPr>
+              <a:t>- Sample mean (x̄): 169.5 lbs</a:t>
+            </a:r>
+            <a:endParaRPr lang="en-US" sz="1600">
+              <a:solidFill>
+                <a:schemeClr val="tx1"/>
+              </a:solidFill>
+            </a:endParaRPr>
+          </a:p>
+          <a:p>
+            <a:r>
+              <a:rPr lang="en-US" sz="1600">
+                <a:solidFill>
+                  <a:schemeClr val="tx1"/>
+                </a:solidFill>
+              </a:rPr>
+              <a:t>- Sample size (n): 36</a:t>
+            </a:r>
+            <a:endParaRPr lang="en-US" sz="1600">
+              <a:solidFill>
+                <a:schemeClr val="tx1"/>
+              </a:solidFill>
+            </a:endParaRPr>
+          </a:p>
+          <a:p>
+            <a:r>
+              <a:rPr lang="en-US" sz="1600">
+                <a:solidFill>
+                  <a:schemeClr val="tx1"/>
+                </a:solidFill>
+              </a:rPr>
+              <a:t>- Standard deviation (s): 3.9 lbs</a:t>
+            </a:r>
+            <a:endParaRPr lang="en-US" sz="1600">
+              <a:solidFill>
+                <a:schemeClr val="tx1"/>
+              </a:solidFill>
+            </a:endParaRPr>
+          </a:p>
+          <a:p>
+            <a:endParaRPr lang="en-US" sz="1600">
+              <a:solidFill>
+                <a:schemeClr val="tx1"/>
+              </a:solidFill>
+            </a:endParaRPr>
+          </a:p>
+          <a:p>
+            <a:r>
+              <a:rPr lang="en-US" sz="1600">
+                <a:solidFill>
+                  <a:schemeClr val="tx1"/>
+                </a:solidFill>
+              </a:rPr>
+              <a:t>Calculating the t-statistic:</a:t>
+            </a:r>
+            <a:endParaRPr lang="en-US" sz="1600">
+              <a:solidFill>
+                <a:schemeClr val="tx1"/>
+              </a:solidFill>
+            </a:endParaRPr>
+          </a:p>
+          <a:p>
+            <a:r>
+              <a:rPr lang="en-US" sz="1600">
+                <a:solidFill>
+                  <a:schemeClr val="tx1"/>
+                </a:solidFill>
+              </a:rPr>
+              <a:t>t = (169.5 - 168) / (3.9 / √36) </a:t>
+            </a:r>
+            <a:endParaRPr lang="en-US" sz="1600">
+              <a:solidFill>
+                <a:schemeClr val="tx1"/>
+              </a:solidFill>
+            </a:endParaRPr>
+          </a:p>
+          <a:p>
+            <a:r>
+              <a:rPr lang="en-US" sz="1600">
+                <a:solidFill>
+                  <a:schemeClr val="tx1"/>
+                </a:solidFill>
+              </a:rPr>
+              <a:t>t ≈ 1.5 / (3.9 / 6) ≈ 2.3077</a:t>
+            </a:r>
+            <a:endParaRPr lang="en-US" sz="1600">
+              <a:solidFill>
+                <a:schemeClr val="tx1"/>
+              </a:solidFill>
+            </a:endParaRPr>
+          </a:p>
+          <a:p>
+            <a:endParaRPr lang="en-US" sz="1600">
+              <a:solidFill>
+                <a:schemeClr val="tx1"/>
+              </a:solidFill>
+            </a:endParaRPr>
+          </a:p>
+          <a:p>
+            <a:r>
+              <a:rPr lang="en-US" sz="1600">
+                <a:solidFill>
+                  <a:schemeClr val="tx1"/>
+                </a:solidFill>
+              </a:rPr>
+              <a:t>The p-value associated with a t-statistic of 2.3077 with 35 degrees of freedom is approximately 0.027.</a:t>
+            </a:r>
+            <a:endParaRPr lang="en-US" sz="1600">
+              <a:solidFill>
+                <a:schemeClr val="tx1"/>
+              </a:solidFill>
+            </a:endParaRPr>
+          </a:p>
+          <a:p>
+            <a:endParaRPr lang="en-US" sz="1600">
+              <a:solidFill>
+                <a:schemeClr val="tx1"/>
+              </a:solidFill>
+            </a:endParaRPr>
+          </a:p>
+          <a:p>
+            <a:r>
+              <a:rPr lang="en-US" sz="1600">
+                <a:solidFill>
+                  <a:schemeClr val="tx1"/>
+                </a:solidFill>
+              </a:rPr>
+              <a:t>Results:</a:t>
+            </a:r>
+            <a:endParaRPr lang="en-US" sz="1600">
+              <a:solidFill>
+                <a:schemeClr val="tx1"/>
+              </a:solidFill>
+            </a:endParaRPr>
+          </a:p>
+          <a:p>
+            <a:r>
+              <a:rPr lang="en-US" sz="1600">
+                <a:solidFill>
+                  <a:schemeClr val="tx1"/>
+                </a:solidFill>
+              </a:rPr>
+              <a:t>The p-value is 0.027. Since this p-value is less than the common significance level of 0.05, we reject the null hypothesis.</a:t>
+            </a:r>
+            <a:endParaRPr lang="en-US" sz="1600">
+              <a:solidFill>
+                <a:schemeClr val="tx1"/>
+              </a:solidFill>
+            </a:endParaRPr>
+          </a:p>
+          <a:p>
+            <a:endParaRPr lang="en-US" sz="1600">
+              <a:solidFill>
+                <a:schemeClr val="tx1"/>
+              </a:solidFill>
+            </a:endParaRPr>
+          </a:p>
+          <a:p>
+            <a:r>
+              <a:rPr lang="en-US" sz="1600">
+                <a:solidFill>
+                  <a:schemeClr val="tx1"/>
+                </a:solidFill>
+              </a:rPr>
+              <a:t>Conclusion:</a:t>
+            </a:r>
+            <a:endParaRPr lang="en-US" sz="1600">
+              <a:solidFill>
+                <a:schemeClr val="tx1"/>
+              </a:solidFill>
+            </a:endParaRPr>
+          </a:p>
+          <a:p>
+            <a:r>
+              <a:rPr lang="en-US" sz="1600">
+                <a:solidFill>
+                  <a:schemeClr val="tx1"/>
+                </a:solidFill>
+              </a:rPr>
+              <a:t>At a 95% confidence level, there is enough evidence to suggest that the true mean weight of residents in town XYZ is different from 168 lbs.</a:t>
+            </a:r>
+            <a:endParaRPr lang="en-US" sz="1600">
+              <a:solidFill>
+                <a:schemeClr val="tx1"/>
+              </a:solidFill>
+            </a:endParaRPr>
+          </a:p>
+        </p:txBody>
+      </p:sp>
+      <p:sp>
+        <p:nvSpPr>
+          <p:cNvPr id="4" name="Text Box 3"/>
+          <p:cNvSpPr txBox="1"/>
+          <p:nvPr/>
+        </p:nvSpPr>
+        <p:spPr>
+          <a:xfrm>
+            <a:off x="29210" y="73025"/>
+            <a:ext cx="6096000" cy="460375"/>
+          </a:xfrm>
+          <a:prstGeom prst="rect">
+            <a:avLst/>
+          </a:prstGeom>
+          <a:noFill/>
+        </p:spPr>
+        <p:txBody>
+          <a:bodyPr wrap="square" rtlCol="0" anchor="t">
+            <a:spAutoFit/>
+          </a:bodyPr>
+          <a:p>
+            <a:r>
+              <a:rPr lang="en-US" sz="2400" b="1">
+                <a:highlight>
+                  <a:srgbClr val="FFFF00"/>
+                </a:highlight>
+              </a:rPr>
+              <a:t>One-Sample T-Test </a:t>
+            </a:r>
+            <a:endParaRPr lang="en-US" sz="2400" b="1">
+              <a:highlight>
+                <a:srgbClr val="FFFF00"/>
+              </a:highlight>
+            </a:endParaRPr>
+          </a:p>
+        </p:txBody>
+      </p:sp>
+      <p:pic>
+        <p:nvPicPr>
+          <p:cNvPr id="5" name="Picture 4"/>
+          <p:cNvPicPr>
+            <a:picLocks noChangeAspect="1"/>
+          </p:cNvPicPr>
+          <p:nvPr/>
+        </p:nvPicPr>
+        <p:blipFill>
+          <a:blip r:embed="rId1"/>
+          <a:stretch>
+            <a:fillRect/>
+          </a:stretch>
+        </p:blipFill>
+        <p:spPr>
+          <a:xfrm>
+            <a:off x="7391400" y="1981200"/>
+            <a:ext cx="3716020" cy="2628900"/>
+          </a:xfrm>
+          <a:prstGeom prst="rect">
+            <a:avLst/>
+          </a:prstGeom>
+        </p:spPr>
+      </p:pic>
+    </p:spTree>
+  </p:cSld>
+  <p:clrMapOvr>
+    <a:masterClrMapping/>
+  </p:clrMapOvr>
+</p:sld>
+</file>
+
+<file path=ppt/slides/slide13.xml><?xml version="1.0" encoding="utf-8"?>
+<p:sld xmlns:a="http://schemas.openxmlformats.org/drawingml/2006/main" xmlns:r="http://schemas.openxmlformats.org/officeDocument/2006/relationships" xmlns:p="http://schemas.openxmlformats.org/presentationml/2006/main">
+  <p:cSld>
+    <p:spTree>
+      <p:nvGrpSpPr>
+        <p:cNvPr id="1" name=""/>
+        <p:cNvGrpSpPr/>
+        <p:nvPr/>
+      </p:nvGrpSpPr>
+      <p:grpSpPr/>
+      <p:sp>
+        <p:nvSpPr>
+          <p:cNvPr id="2" name="Title 1"/>
+          <p:cNvSpPr>
+            <a:spLocks noGrp="1"/>
+          </p:cNvSpPr>
+          <p:nvPr>
+            <p:ph type="ctrTitle"/>
+          </p:nvPr>
+        </p:nvSpPr>
+        <p:spPr>
+          <a:xfrm>
+            <a:off x="685800" y="76200"/>
+            <a:ext cx="10363200" cy="738505"/>
+          </a:xfrm>
+        </p:spPr>
+        <p:txBody>
+          <a:bodyPr/>
+          <a:p>
+            <a:pPr algn="ctr"/>
+            <a:r>
+              <a:rPr lang="en-US" sz="4800"/>
+              <a:t>t-Test</a:t>
+            </a:r>
+            <a:endParaRPr lang="en-US" sz="4800"/>
+          </a:p>
+        </p:txBody>
+      </p:sp>
+      <p:sp>
+        <p:nvSpPr>
+          <p:cNvPr id="4" name="Text Box 3"/>
+          <p:cNvSpPr txBox="1"/>
+          <p:nvPr/>
+        </p:nvSpPr>
+        <p:spPr>
+          <a:xfrm>
+            <a:off x="73660" y="1143000"/>
+            <a:ext cx="11859895" cy="1308100"/>
+          </a:xfrm>
+          <a:prstGeom prst="rect">
+            <a:avLst/>
+          </a:prstGeom>
+          <a:noFill/>
+        </p:spPr>
+        <p:txBody>
+          <a:bodyPr wrap="square" rtlCol="0" anchor="t">
+            <a:noAutofit/>
+          </a:bodyPr>
+          <a:p>
+            <a:r>
+              <a:rPr lang="en-US" sz="2400" b="1"/>
+              <a:t>T-Test:</a:t>
+            </a:r>
+            <a:endParaRPr lang="en-US" sz="2400" b="1"/>
+          </a:p>
+          <a:p>
+            <a:pPr indent="457200"/>
+            <a:r>
+              <a:rPr lang="en-US"/>
+              <a:t>A t-test is a statistical test used to determine if there is a significant difference between the means of two groups. It is particularly useful when comparing the means of small sample sizes. The t-test is based on the t-distribution and is commonly used in hypothesis testing.</a:t>
+            </a:r>
+            <a:endParaRPr lang="en-US"/>
+          </a:p>
+          <a:p>
+            <a:endParaRPr lang="en-US"/>
+          </a:p>
+        </p:txBody>
+      </p:sp>
+      <p:sp>
+        <p:nvSpPr>
+          <p:cNvPr id="6" name="Text Box 5"/>
+          <p:cNvSpPr txBox="1"/>
+          <p:nvPr/>
+        </p:nvSpPr>
+        <p:spPr>
+          <a:xfrm>
+            <a:off x="76200" y="2743200"/>
+            <a:ext cx="11882755" cy="2953385"/>
+          </a:xfrm>
+          <a:prstGeom prst="rect">
+            <a:avLst/>
+          </a:prstGeom>
+          <a:noFill/>
+        </p:spPr>
+        <p:txBody>
+          <a:bodyPr wrap="square" rtlCol="0" anchor="t">
+            <a:spAutoFit/>
+          </a:bodyPr>
+          <a:p>
+            <a:r>
+              <a:rPr lang="en-US" sz="2400" b="1"/>
+              <a:t>Types of T-Tests:</a:t>
+            </a:r>
+            <a:endParaRPr lang="en-US" sz="2400" b="1"/>
+          </a:p>
+          <a:p>
+            <a:r>
+              <a:rPr lang="en-US"/>
+              <a:t>There are several types of t-tests, but the two most common ones are:</a:t>
+            </a:r>
+            <a:endParaRPr lang="en-US"/>
+          </a:p>
+          <a:p>
+            <a:endParaRPr lang="en-US"/>
+          </a:p>
+          <a:p>
+            <a:r>
+              <a:rPr lang="en-US" b="1" u="sng"/>
+              <a:t>Independent Samples T-Test:</a:t>
+            </a:r>
+            <a:r>
+              <a:rPr lang="en-US" b="1"/>
+              <a:t> </a:t>
+            </a:r>
+            <a:endParaRPr lang="en-US" b="1"/>
+          </a:p>
+          <a:p>
+            <a:pPr indent="457200"/>
+            <a:r>
+              <a:rPr lang="en-US"/>
+              <a:t>This test is used when comparing the means of two independent groups to determine if they are significantly different from each other.</a:t>
+            </a:r>
+            <a:endParaRPr lang="en-US"/>
+          </a:p>
+          <a:p>
+            <a:endParaRPr lang="en-US"/>
+          </a:p>
+          <a:p>
+            <a:r>
+              <a:rPr lang="en-US" b="1" u="sng"/>
+              <a:t>Paired Samples T-Test:</a:t>
+            </a:r>
+            <a:r>
+              <a:rPr lang="en-US"/>
+              <a:t> </a:t>
+            </a:r>
+            <a:endParaRPr lang="en-US"/>
+          </a:p>
+          <a:p>
+            <a:pPr indent="457200"/>
+            <a:r>
+              <a:rPr lang="en-US"/>
+              <a:t>Also known as a dependent samples t-test, this is used when comparing the means of two related groups, such as repeated measurements on the same individuals.</a:t>
+            </a:r>
+            <a:endParaRPr lang="en-US"/>
+          </a:p>
+        </p:txBody>
+      </p:sp>
+    </p:spTree>
+  </p:cSld>
+  <p:clrMapOvr>
+    <a:masterClrMapping/>
+  </p:clrMapOvr>
+</p:sld>
+</file>
+
+<file path=ppt/slides/slide14.xml><?xml version="1.0" encoding="utf-8"?>
+<p:sld xmlns:a="http://schemas.openxmlformats.org/drawingml/2006/main" xmlns:r="http://schemas.openxmlformats.org/officeDocument/2006/relationships" xmlns:p="http://schemas.openxmlformats.org/presentationml/2006/main">
+  <p:cSld>
+    <p:spTree>
+      <p:nvGrpSpPr>
+        <p:cNvPr id="1" name=""/>
+        <p:cNvGrpSpPr/>
+        <p:nvPr/>
+      </p:nvGrpSpPr>
+      <p:grpSpPr/>
+      <p:sp>
+        <p:nvSpPr>
+          <p:cNvPr id="3" name="Subtitle 2"/>
+          <p:cNvSpPr>
+            <a:spLocks noGrp="1"/>
+          </p:cNvSpPr>
+          <p:nvPr>
+            <p:ph type="subTitle" idx="4"/>
+          </p:nvPr>
+        </p:nvSpPr>
+        <p:spPr>
+          <a:xfrm>
+            <a:off x="152400" y="152400"/>
+            <a:ext cx="11597640" cy="1804670"/>
+          </a:xfrm>
+        </p:spPr>
+        <p:txBody>
+          <a:bodyPr>
+            <a:noAutofit/>
+          </a:bodyPr>
+          <a:p>
+            <a:r>
+              <a:rPr lang="en-US" sz="2000" b="1">
+                <a:solidFill>
+                  <a:schemeClr val="tx1"/>
+                </a:solidFill>
+                <a:latin typeface="Segoe UI" panose="020B0502040204020203" charset="0"/>
+                <a:cs typeface="Segoe UI" panose="020B0502040204020203" charset="0"/>
+              </a:rPr>
+              <a:t>When to Use T-Test:</a:t>
+            </a:r>
+            <a:endParaRPr lang="en-US" sz="2000" b="1">
+              <a:solidFill>
+                <a:schemeClr val="tx1"/>
+              </a:solidFill>
+              <a:latin typeface="Segoe UI" panose="020B0502040204020203" charset="0"/>
+              <a:cs typeface="Segoe UI" panose="020B0502040204020203" charset="0"/>
+            </a:endParaRPr>
+          </a:p>
+          <a:p>
+            <a:pPr indent="457200"/>
+            <a:r>
+              <a:rPr lang="en-US" sz="1800">
+                <a:solidFill>
+                  <a:schemeClr val="tx1"/>
+                </a:solidFill>
+                <a:latin typeface="Segoe UI" panose="020B0502040204020203" charset="0"/>
+                <a:cs typeface="Segoe UI" panose="020B0502040204020203" charset="0"/>
+              </a:rPr>
+              <a:t>T-tests are appropriate in various scenarios, including:</a:t>
+            </a:r>
+            <a:endParaRPr lang="en-US" sz="1800">
+              <a:solidFill>
+                <a:schemeClr val="tx1"/>
+              </a:solidFill>
+              <a:latin typeface="Segoe UI" panose="020B0502040204020203" charset="0"/>
+              <a:cs typeface="Segoe UI" panose="020B0502040204020203" charset="0"/>
+            </a:endParaRPr>
+          </a:p>
+          <a:p>
+            <a:endParaRPr lang="en-US" sz="1800">
+              <a:solidFill>
+                <a:schemeClr val="tx1"/>
+              </a:solidFill>
+              <a:latin typeface="Segoe UI" panose="020B0502040204020203" charset="0"/>
+              <a:cs typeface="Segoe UI" panose="020B0502040204020203" charset="0"/>
+            </a:endParaRPr>
+          </a:p>
+          <a:p>
+            <a:r>
+              <a:rPr lang="en-US" sz="1800" b="1">
+                <a:solidFill>
+                  <a:schemeClr val="tx1"/>
+                </a:solidFill>
+                <a:latin typeface="Segoe UI" panose="020B0502040204020203" charset="0"/>
+                <a:cs typeface="Segoe UI" panose="020B0502040204020203" charset="0"/>
+              </a:rPr>
+              <a:t>Comparing means: </a:t>
+            </a:r>
+            <a:r>
+              <a:rPr lang="en-US" sz="1800">
+                <a:solidFill>
+                  <a:schemeClr val="tx1"/>
+                </a:solidFill>
+                <a:latin typeface="Segoe UI" panose="020B0502040204020203" charset="0"/>
+                <a:cs typeface="Segoe UI" panose="020B0502040204020203" charset="0"/>
+              </a:rPr>
+              <a:t>To determine if there is a significant difference between the means of two groups.</a:t>
+            </a:r>
+            <a:endParaRPr lang="en-US" sz="1800">
+              <a:solidFill>
+                <a:schemeClr val="tx1"/>
+              </a:solidFill>
+              <a:latin typeface="Segoe UI" panose="020B0502040204020203" charset="0"/>
+              <a:cs typeface="Segoe UI" panose="020B0502040204020203" charset="0"/>
+            </a:endParaRPr>
+          </a:p>
+          <a:p>
+            <a:r>
+              <a:rPr lang="en-US" sz="1800" b="1">
+                <a:solidFill>
+                  <a:schemeClr val="tx1"/>
+                </a:solidFill>
+                <a:latin typeface="Segoe UI" panose="020B0502040204020203" charset="0"/>
+                <a:cs typeface="Segoe UI" panose="020B0502040204020203" charset="0"/>
+              </a:rPr>
+              <a:t>Before and after studies: </a:t>
+            </a:r>
+            <a:r>
+              <a:rPr lang="en-US" sz="1800">
+                <a:solidFill>
+                  <a:schemeClr val="tx1"/>
+                </a:solidFill>
+                <a:latin typeface="Segoe UI" panose="020B0502040204020203" charset="0"/>
+                <a:cs typeface="Segoe UI" panose="020B0502040204020203" charset="0"/>
+              </a:rPr>
+              <a:t>To assess if there is a significant change in a variable before and after an intervention.</a:t>
+            </a:r>
+            <a:endParaRPr lang="en-US" sz="1800">
+              <a:solidFill>
+                <a:schemeClr val="tx1"/>
+              </a:solidFill>
+              <a:latin typeface="Segoe UI" panose="020B0502040204020203" charset="0"/>
+              <a:cs typeface="Segoe UI" panose="020B0502040204020203" charset="0"/>
+            </a:endParaRPr>
+          </a:p>
+          <a:p>
+            <a:r>
+              <a:rPr lang="en-US" sz="1800" b="1">
+                <a:solidFill>
+                  <a:schemeClr val="tx1"/>
+                </a:solidFill>
+                <a:latin typeface="Segoe UI" panose="020B0502040204020203" charset="0"/>
+                <a:cs typeface="Segoe UI" panose="020B0502040204020203" charset="0"/>
+              </a:rPr>
+              <a:t>Paired observations:</a:t>
+            </a:r>
+            <a:r>
+              <a:rPr lang="en-US" sz="1800">
+                <a:solidFill>
+                  <a:schemeClr val="tx1"/>
+                </a:solidFill>
+                <a:latin typeface="Segoe UI" panose="020B0502040204020203" charset="0"/>
+                <a:cs typeface="Segoe UI" panose="020B0502040204020203" charset="0"/>
+              </a:rPr>
+              <a:t> When dealing with paired observations, like measurements on the same subjects over time.</a:t>
+            </a:r>
+            <a:endParaRPr lang="en-US" sz="1800">
+              <a:solidFill>
+                <a:schemeClr val="tx1"/>
+              </a:solidFill>
+              <a:latin typeface="Segoe UI" panose="020B0502040204020203" charset="0"/>
+              <a:cs typeface="Segoe UI" panose="020B0502040204020203" charset="0"/>
+            </a:endParaRPr>
+          </a:p>
+        </p:txBody>
+      </p:sp>
+      <p:sp>
+        <p:nvSpPr>
+          <p:cNvPr id="4" name="Text Box 3"/>
+          <p:cNvSpPr txBox="1"/>
+          <p:nvPr/>
+        </p:nvSpPr>
+        <p:spPr>
+          <a:xfrm>
+            <a:off x="76200" y="2362200"/>
+            <a:ext cx="12006580" cy="4666615"/>
+          </a:xfrm>
+          <a:prstGeom prst="rect">
+            <a:avLst/>
+          </a:prstGeom>
+          <a:noFill/>
+        </p:spPr>
+        <p:txBody>
+          <a:bodyPr wrap="square" rtlCol="0" anchor="t">
+            <a:noAutofit/>
+          </a:bodyPr>
+          <a:p>
+            <a:r>
+              <a:rPr lang="en-US" sz="2400" b="1">
+                <a:latin typeface="Segoe UI" panose="020B0502040204020203" charset="0"/>
+                <a:cs typeface="Segoe UI" panose="020B0502040204020203" charset="0"/>
+              </a:rPr>
+              <a:t>Limitations of T-Tests:</a:t>
+            </a:r>
+            <a:endParaRPr lang="en-US" sz="2400" b="1">
+              <a:latin typeface="Segoe UI" panose="020B0502040204020203" charset="0"/>
+              <a:cs typeface="Segoe UI" panose="020B0502040204020203" charset="0"/>
+            </a:endParaRPr>
+          </a:p>
+          <a:p>
+            <a:pPr indent="457200"/>
+            <a:r>
+              <a:rPr lang="en-US">
+                <a:latin typeface="Segoe UI" panose="020B0502040204020203" charset="0"/>
+                <a:cs typeface="Segoe UI" panose="020B0502040204020203" charset="0"/>
+              </a:rPr>
+              <a:t>While t-tests are widely used and valuable in many situations, they have limitations:</a:t>
+            </a:r>
+            <a:endParaRPr lang="en-US">
+              <a:latin typeface="Segoe UI" panose="020B0502040204020203" charset="0"/>
+              <a:cs typeface="Segoe UI" panose="020B0502040204020203" charset="0"/>
+            </a:endParaRPr>
+          </a:p>
+          <a:p>
+            <a:endParaRPr lang="en-US">
+              <a:latin typeface="Segoe UI" panose="020B0502040204020203" charset="0"/>
+              <a:cs typeface="Segoe UI" panose="020B0502040204020203" charset="0"/>
+            </a:endParaRPr>
+          </a:p>
+          <a:p>
+            <a:r>
+              <a:rPr lang="en-US" b="1">
+                <a:latin typeface="Segoe UI" panose="020B0502040204020203" charset="0"/>
+                <a:cs typeface="Segoe UI" panose="020B0502040204020203" charset="0"/>
+              </a:rPr>
+              <a:t>Sample Size:</a:t>
+            </a:r>
+            <a:r>
+              <a:rPr lang="en-US">
+                <a:latin typeface="Segoe UI" panose="020B0502040204020203" charset="0"/>
+                <a:cs typeface="Segoe UI" panose="020B0502040204020203" charset="0"/>
+              </a:rPr>
+              <a:t> T-tests are sensitive to sample size. With very small sample sizes, the results may not be reliable.</a:t>
+            </a:r>
+            <a:endParaRPr lang="en-US">
+              <a:latin typeface="Segoe UI" panose="020B0502040204020203" charset="0"/>
+              <a:cs typeface="Segoe UI" panose="020B0502040204020203" charset="0"/>
+            </a:endParaRPr>
+          </a:p>
+          <a:p>
+            <a:endParaRPr lang="en-US">
+              <a:latin typeface="Segoe UI" panose="020B0502040204020203" charset="0"/>
+              <a:cs typeface="Segoe UI" panose="020B0502040204020203" charset="0"/>
+            </a:endParaRPr>
+          </a:p>
+          <a:p>
+            <a:r>
+              <a:rPr lang="en-US" b="1">
+                <a:latin typeface="Segoe UI" panose="020B0502040204020203" charset="0"/>
+                <a:cs typeface="Segoe UI" panose="020B0502040204020203" charset="0"/>
+              </a:rPr>
+              <a:t>Normal Distribution Assumption:</a:t>
+            </a:r>
+            <a:r>
+              <a:rPr lang="en-US">
+                <a:latin typeface="Segoe UI" panose="020B0502040204020203" charset="0"/>
+                <a:cs typeface="Segoe UI" panose="020B0502040204020203" charset="0"/>
+              </a:rPr>
+              <a:t> T-tests assume that the data follow a normal distribution. If this assumption is violated, the results may not be accurate.</a:t>
+            </a:r>
+            <a:endParaRPr lang="en-US">
+              <a:latin typeface="Segoe UI" panose="020B0502040204020203" charset="0"/>
+              <a:cs typeface="Segoe UI" panose="020B0502040204020203" charset="0"/>
+            </a:endParaRPr>
+          </a:p>
+          <a:p>
+            <a:endParaRPr lang="en-US">
+              <a:latin typeface="Segoe UI" panose="020B0502040204020203" charset="0"/>
+              <a:cs typeface="Segoe UI" panose="020B0502040204020203" charset="0"/>
+            </a:endParaRPr>
+          </a:p>
+          <a:p>
+            <a:r>
+              <a:rPr lang="en-US" b="1">
+                <a:latin typeface="Segoe UI" panose="020B0502040204020203" charset="0"/>
+                <a:cs typeface="Segoe UI" panose="020B0502040204020203" charset="0"/>
+              </a:rPr>
+              <a:t>Equal Variance Assumption: </a:t>
+            </a:r>
+            <a:r>
+              <a:rPr lang="en-US">
+                <a:latin typeface="Segoe UI" panose="020B0502040204020203" charset="0"/>
+                <a:cs typeface="Segoe UI" panose="020B0502040204020203" charset="0"/>
+              </a:rPr>
+              <a:t>The standard t-test assumes that the variances of the two groups being compared are equal. If this assumption is not met, alternative versions of the t-test (such as Welch's t-test) should be considered.</a:t>
+            </a:r>
+            <a:endParaRPr lang="en-US">
+              <a:latin typeface="Segoe UI" panose="020B0502040204020203" charset="0"/>
+              <a:cs typeface="Segoe UI" panose="020B0502040204020203" charset="0"/>
+            </a:endParaRPr>
+          </a:p>
+          <a:p>
+            <a:endParaRPr lang="en-US">
+              <a:latin typeface="Segoe UI" panose="020B0502040204020203" charset="0"/>
+              <a:cs typeface="Segoe UI" panose="020B0502040204020203" charset="0"/>
+            </a:endParaRPr>
+          </a:p>
+          <a:p>
+            <a:r>
+              <a:rPr lang="en-US" b="1">
+                <a:latin typeface="Segoe UI" panose="020B0502040204020203" charset="0"/>
+                <a:cs typeface="Segoe UI" panose="020B0502040204020203" charset="0"/>
+              </a:rPr>
+              <a:t>Sensitivity to Outliers:</a:t>
+            </a:r>
+            <a:r>
+              <a:rPr lang="en-US">
+                <a:latin typeface="Segoe UI" panose="020B0502040204020203" charset="0"/>
+                <a:cs typeface="Segoe UI" panose="020B0502040204020203" charset="0"/>
+              </a:rPr>
+              <a:t> T-tests can be sensitive to outliers, which may unduly influence the results.</a:t>
+            </a:r>
+            <a:endParaRPr lang="en-US">
+              <a:latin typeface="Segoe UI" panose="020B0502040204020203" charset="0"/>
+              <a:cs typeface="Segoe UI" panose="020B0502040204020203" charset="0"/>
+            </a:endParaRPr>
+          </a:p>
+          <a:p>
+            <a:endParaRPr lang="en-US">
+              <a:latin typeface="Segoe UI" panose="020B0502040204020203" charset="0"/>
+              <a:cs typeface="Segoe UI" panose="020B0502040204020203" charset="0"/>
+            </a:endParaRPr>
+          </a:p>
+          <a:p>
+            <a:r>
+              <a:rPr lang="en-US" b="1">
+                <a:latin typeface="Segoe UI" panose="020B0502040204020203" charset="0"/>
+                <a:cs typeface="Segoe UI" panose="020B0502040204020203" charset="0"/>
+              </a:rPr>
+              <a:t>Multiple Comparisons:</a:t>
+            </a:r>
+            <a:r>
+              <a:rPr lang="en-US">
+                <a:latin typeface="Segoe UI" panose="020B0502040204020203" charset="0"/>
+                <a:cs typeface="Segoe UI" panose="020B0502040204020203" charset="0"/>
+              </a:rPr>
+              <a:t> Conducting multiple t-tests increases the chance of making a Type I error (false positive). In such cases, corrections like the Bonferroni correction may be applied.</a:t>
+            </a:r>
+            <a:endParaRPr lang="en-US">
+              <a:latin typeface="Segoe UI" panose="020B0502040204020203" charset="0"/>
+              <a:cs typeface="Segoe UI" panose="020B0502040204020203" charset="0"/>
+            </a:endParaRPr>
+          </a:p>
+        </p:txBody>
+      </p:sp>
+    </p:spTree>
+  </p:cSld>
+  <p:clrMapOvr>
+    <a:masterClrMapping/>
+  </p:clrMapOvr>
+</p:sld>
+</file>
+
+<file path=ppt/slides/slide15.xml><?xml version="1.0" encoding="utf-8"?>
+<p:sld xmlns:a="http://schemas.openxmlformats.org/drawingml/2006/main" xmlns:r="http://schemas.openxmlformats.org/officeDocument/2006/relationships" xmlns:p="http://schemas.openxmlformats.org/presentationml/2006/main">
+  <p:cSld>
+    <p:spTree>
+      <p:nvGrpSpPr>
+        <p:cNvPr id="1" name=""/>
+        <p:cNvGrpSpPr/>
+        <p:nvPr/>
+      </p:nvGrpSpPr>
+      <p:grpSpPr/>
+      <p:sp>
+        <p:nvSpPr>
+          <p:cNvPr id="3" name="Subtitle 2"/>
+          <p:cNvSpPr>
+            <a:spLocks noGrp="1"/>
+          </p:cNvSpPr>
+          <p:nvPr>
+            <p:ph type="subTitle" idx="4"/>
+          </p:nvPr>
+        </p:nvSpPr>
+        <p:spPr>
+          <a:xfrm>
+            <a:off x="457200" y="1066800"/>
+            <a:ext cx="9580880" cy="4897755"/>
+          </a:xfrm>
+        </p:spPr>
+        <p:txBody>
+          <a:bodyPr>
+            <a:noAutofit/>
+          </a:bodyPr>
+          <a:p>
+            <a:r>
+              <a:rPr lang="en-US" sz="1200">
+                <a:solidFill>
+                  <a:schemeClr val="tx1"/>
+                </a:solidFill>
+              </a:rPr>
+              <a:t>Data:</a:t>
+            </a:r>
+            <a:endParaRPr lang="en-US" sz="1200">
+              <a:solidFill>
+                <a:schemeClr val="tx1"/>
+              </a:solidFill>
+            </a:endParaRPr>
+          </a:p>
+          <a:p>
+            <a:r>
+              <a:rPr lang="en-US" sz="1200">
+                <a:solidFill>
+                  <a:schemeClr val="tx1"/>
+                </a:solidFill>
+              </a:rPr>
+              <a:t>Layout A: [3, 4, 2, 5, 3]</a:t>
+            </a:r>
+            <a:endParaRPr lang="en-US" sz="1200">
+              <a:solidFill>
+                <a:schemeClr val="tx1"/>
+              </a:solidFill>
+            </a:endParaRPr>
+          </a:p>
+          <a:p>
+            <a:r>
+              <a:rPr lang="en-US" sz="1200">
+                <a:solidFill>
+                  <a:schemeClr val="tx1"/>
+                </a:solidFill>
+              </a:rPr>
+              <a:t>Layout B: [6, 5, 7, 4, 6]</a:t>
+            </a:r>
+            <a:endParaRPr lang="en-US" sz="1200">
+              <a:solidFill>
+                <a:schemeClr val="tx1"/>
+              </a:solidFill>
+            </a:endParaRPr>
+          </a:p>
+          <a:p>
+            <a:endParaRPr lang="en-US" sz="1200">
+              <a:solidFill>
+                <a:schemeClr val="tx1"/>
+              </a:solidFill>
+            </a:endParaRPr>
+          </a:p>
+          <a:p>
+            <a:r>
+              <a:rPr lang="en-US" sz="1200">
+                <a:solidFill>
+                  <a:schemeClr val="tx1"/>
+                </a:solidFill>
+              </a:rPr>
+              <a:t>Algorithm Formulas:</a:t>
+            </a:r>
+            <a:endParaRPr lang="en-US" sz="1200">
+              <a:solidFill>
+                <a:schemeClr val="tx1"/>
+              </a:solidFill>
+            </a:endParaRPr>
+          </a:p>
+          <a:p>
+            <a:r>
+              <a:rPr lang="en-US" sz="1200">
+                <a:solidFill>
+                  <a:schemeClr val="tx1"/>
+                </a:solidFill>
+              </a:rPr>
+              <a:t>1. Calculate Means and Variances:</a:t>
+            </a:r>
+            <a:endParaRPr lang="en-US" sz="1200">
+              <a:solidFill>
+                <a:schemeClr val="tx1"/>
+              </a:solidFill>
+            </a:endParaRPr>
+          </a:p>
+          <a:p>
+            <a:r>
+              <a:rPr lang="en-US" sz="1200">
+                <a:solidFill>
+                  <a:schemeClr val="tx1"/>
+                </a:solidFill>
+              </a:rPr>
+              <a:t>   - Mean for Layout A (𝑋̅): 3.4</a:t>
+            </a:r>
+            <a:endParaRPr lang="en-US" sz="1200">
+              <a:solidFill>
+                <a:schemeClr val="tx1"/>
+              </a:solidFill>
+            </a:endParaRPr>
+          </a:p>
+          <a:p>
+            <a:r>
+              <a:rPr lang="en-US" sz="1200">
+                <a:solidFill>
+                  <a:schemeClr val="tx1"/>
+                </a:solidFill>
+              </a:rPr>
+              <a:t>   - Mean for Layout B (𝑌̅): 5.6</a:t>
+            </a:r>
+            <a:endParaRPr lang="en-US" sz="1200">
+              <a:solidFill>
+                <a:schemeClr val="tx1"/>
+              </a:solidFill>
+            </a:endParaRPr>
+          </a:p>
+          <a:p>
+            <a:r>
+              <a:rPr lang="en-US" sz="1200">
+                <a:solidFill>
+                  <a:schemeClr val="tx1"/>
+                </a:solidFill>
+              </a:rPr>
+              <a:t>   - Variance for Layout A (s²ₓ): ~1.3</a:t>
+            </a:r>
+            <a:endParaRPr lang="en-US" sz="1200">
+              <a:solidFill>
+                <a:schemeClr val="tx1"/>
+              </a:solidFill>
+            </a:endParaRPr>
+          </a:p>
+          <a:p>
+            <a:r>
+              <a:rPr lang="en-US" sz="1200">
+                <a:solidFill>
+                  <a:schemeClr val="tx1"/>
+                </a:solidFill>
+              </a:rPr>
+              <a:t>   - Variance for Layout B (s²ᵧ): ~0.7</a:t>
+            </a:r>
+            <a:endParaRPr lang="en-US" sz="1200">
+              <a:solidFill>
+                <a:schemeClr val="tx1"/>
+              </a:solidFill>
+            </a:endParaRPr>
+          </a:p>
+          <a:p>
+            <a:endParaRPr lang="en-US" sz="1200">
+              <a:solidFill>
+                <a:schemeClr val="tx1"/>
+              </a:solidFill>
+            </a:endParaRPr>
+          </a:p>
+          <a:p>
+            <a:r>
+              <a:rPr lang="en-US" sz="1200">
+                <a:solidFill>
+                  <a:schemeClr val="tx1"/>
+                </a:solidFill>
+              </a:rPr>
+              <a:t>Algorithm Formulas:</a:t>
+            </a:r>
+            <a:endParaRPr lang="en-US" sz="1200">
+              <a:solidFill>
+                <a:schemeClr val="tx1"/>
+              </a:solidFill>
+            </a:endParaRPr>
+          </a:p>
+          <a:p>
+            <a:r>
+              <a:rPr lang="en-US" sz="1200">
+                <a:solidFill>
+                  <a:schemeClr val="tx1"/>
+                </a:solidFill>
+              </a:rPr>
+              <a:t>2. Calculate the T-Statistic:</a:t>
+            </a:r>
+            <a:endParaRPr lang="en-US" sz="1200">
+              <a:solidFill>
+                <a:schemeClr val="tx1"/>
+              </a:solidFill>
+            </a:endParaRPr>
+          </a:p>
+          <a:p>
+            <a:r>
+              <a:rPr lang="en-US" sz="1200">
+                <a:solidFill>
+                  <a:schemeClr val="tx1"/>
+                </a:solidFill>
+              </a:rPr>
+              <a:t>   - T-Statistic (t): t = (𝑋̅ - 𝑌̅) / √((s²ₓ/nₓ) + (s²ᵧ/nᵧ))</a:t>
+            </a:r>
+            <a:endParaRPr lang="en-US" sz="1200">
+              <a:solidFill>
+                <a:schemeClr val="tx1"/>
+              </a:solidFill>
+            </a:endParaRPr>
+          </a:p>
+          <a:p>
+            <a:r>
+              <a:rPr lang="en-US" sz="1200">
+                <a:solidFill>
+                  <a:schemeClr val="tx1"/>
+                </a:solidFill>
+              </a:rPr>
+              <a:t>   - Substituting values: ~-2.13</a:t>
+            </a:r>
+            <a:endParaRPr lang="en-US" sz="1200">
+              <a:solidFill>
+                <a:schemeClr val="tx1"/>
+              </a:solidFill>
+            </a:endParaRPr>
+          </a:p>
+          <a:p>
+            <a:endParaRPr lang="en-US" sz="1200">
+              <a:solidFill>
+                <a:schemeClr val="tx1"/>
+              </a:solidFill>
+            </a:endParaRPr>
+          </a:p>
+          <a:p>
+            <a:r>
+              <a:rPr lang="en-US" sz="1200">
+                <a:solidFill>
+                  <a:schemeClr val="tx1"/>
+                </a:solidFill>
+              </a:rPr>
+              <a:t>3. Degrees of Freedom:</a:t>
+            </a:r>
+            <a:endParaRPr lang="en-US" sz="1200">
+              <a:solidFill>
+                <a:schemeClr val="tx1"/>
+              </a:solidFill>
+            </a:endParaRPr>
+          </a:p>
+          <a:p>
+            <a:r>
+              <a:rPr lang="en-US" sz="1200">
+                <a:solidFill>
+                  <a:schemeClr val="tx1"/>
+                </a:solidFill>
+              </a:rPr>
+              <a:t>   - Degrees of Freedom (df): 8</a:t>
+            </a:r>
+            <a:endParaRPr lang="en-US" sz="1200">
+              <a:solidFill>
+                <a:schemeClr val="tx1"/>
+              </a:solidFill>
+            </a:endParaRPr>
+          </a:p>
+          <a:p>
+            <a:endParaRPr lang="en-US" sz="1200">
+              <a:solidFill>
+                <a:schemeClr val="tx1"/>
+              </a:solidFill>
+            </a:endParaRPr>
+          </a:p>
+          <a:p>
+            <a:r>
+              <a:rPr lang="en-US" sz="1200">
+                <a:solidFill>
+                  <a:schemeClr val="tx1"/>
+                </a:solidFill>
+              </a:rPr>
+              <a:t>4. Find Critical Value or P-Value:</a:t>
+            </a:r>
+            <a:endParaRPr lang="en-US" sz="1200">
+              <a:solidFill>
+                <a:schemeClr val="tx1"/>
+              </a:solidFill>
+            </a:endParaRPr>
+          </a:p>
+          <a:p>
+            <a:r>
+              <a:rPr lang="en-US" sz="1200">
+                <a:solidFill>
+                  <a:schemeClr val="tx1"/>
+                </a:solidFill>
+              </a:rPr>
+              <a:t>   - Assuming α = 0.05, Critical t-Value (t_critical): ±2.31</a:t>
+            </a:r>
+            <a:endParaRPr lang="en-US" sz="1200">
+              <a:solidFill>
+                <a:schemeClr val="tx1"/>
+              </a:solidFill>
+            </a:endParaRPr>
+          </a:p>
+          <a:p>
+            <a:endParaRPr lang="en-US" sz="1200">
+              <a:solidFill>
+                <a:schemeClr val="tx1"/>
+              </a:solidFill>
+            </a:endParaRPr>
+          </a:p>
+          <a:p>
+            <a:r>
+              <a:rPr lang="en-US" sz="1200">
+                <a:solidFill>
+                  <a:schemeClr val="tx1"/>
+                </a:solidFill>
+              </a:rPr>
+              <a:t>5. Make a Decision:</a:t>
+            </a:r>
+            <a:endParaRPr lang="en-US" sz="1200">
+              <a:solidFill>
+                <a:schemeClr val="tx1"/>
+              </a:solidFill>
+            </a:endParaRPr>
+          </a:p>
+          <a:p>
+            <a:r>
+              <a:rPr lang="en-US" sz="1200">
+                <a:solidFill>
+                  <a:schemeClr val="tx1"/>
+                </a:solidFill>
+              </a:rPr>
+              <a:t>   - Since |t| &lt; t_critical and the p-value is less than 0.05, we reject the null hypothesis.</a:t>
+            </a:r>
+            <a:endParaRPr lang="en-US" sz="1200">
+              <a:solidFill>
+                <a:schemeClr val="tx1"/>
+              </a:solidFill>
+            </a:endParaRPr>
+          </a:p>
+          <a:p>
+            <a:endParaRPr lang="en-US" sz="1200">
+              <a:solidFill>
+                <a:schemeClr val="tx1"/>
+              </a:solidFill>
+            </a:endParaRPr>
+          </a:p>
+          <a:p>
+            <a:r>
+              <a:rPr lang="en-US" sz="1200">
+                <a:solidFill>
+                  <a:schemeClr val="tx1"/>
+                </a:solidFill>
+              </a:rPr>
+              <a:t>Conclusion:</a:t>
+            </a:r>
+            <a:endParaRPr lang="en-US" sz="1200">
+              <a:solidFill>
+                <a:schemeClr val="tx1"/>
+              </a:solidFill>
+            </a:endParaRPr>
+          </a:p>
+          <a:p>
+            <a:r>
+              <a:rPr lang="en-US" sz="1200">
+                <a:solidFill>
+                  <a:schemeClr val="tx1"/>
+                </a:solidFill>
+              </a:rPr>
+              <a:t>   There is enough evidence to suggest that the mean time spent on the site with layout A is significantly different from the mean time spent with layout B.</a:t>
+            </a:r>
+            <a:endParaRPr lang="en-US" sz="1200">
+              <a:solidFill>
+                <a:schemeClr val="tx1"/>
+              </a:solidFill>
+            </a:endParaRPr>
+          </a:p>
+        </p:txBody>
+      </p:sp>
+    </p:spTree>
+  </p:cSld>
+  <p:clrMapOvr>
+    <a:masterClrMapping/>
+  </p:clrMapOvr>
+</p:sld>
+</file>
+
+<file path=ppt/slides/slide16.xml><?xml version="1.0" encoding="utf-8"?>
+<p:sld xmlns:a="http://schemas.openxmlformats.org/drawingml/2006/main" xmlns:r="http://schemas.openxmlformats.org/officeDocument/2006/relationships" xmlns:p="http://schemas.openxmlformats.org/presentationml/2006/main">
+  <p:cSld>
+    <p:spTree>
+      <p:nvGrpSpPr>
+        <p:cNvPr id="1" name=""/>
+        <p:cNvGrpSpPr/>
+        <p:nvPr/>
+      </p:nvGrpSpPr>
+      <p:grpSpPr/>
+      <p:sp>
+        <p:nvSpPr>
+          <p:cNvPr id="3" name="Subtitle 2"/>
+          <p:cNvSpPr>
+            <a:spLocks noGrp="1"/>
+          </p:cNvSpPr>
+          <p:nvPr>
+            <p:ph type="subTitle" idx="4"/>
+          </p:nvPr>
+        </p:nvSpPr>
+        <p:spPr>
+          <a:xfrm>
+            <a:off x="76200" y="838200"/>
+            <a:ext cx="11328400" cy="6022975"/>
+          </a:xfrm>
+        </p:spPr>
+        <p:txBody>
+          <a:bodyPr>
+            <a:noAutofit/>
+          </a:bodyPr>
+          <a:p>
+            <a:r>
+              <a:rPr lang="en-US" sz="1400">
+                <a:solidFill>
+                  <a:schemeClr val="tx1"/>
+                </a:solidFill>
+              </a:rPr>
+              <a:t>Sample Data:</a:t>
+            </a:r>
+            <a:endParaRPr lang="en-US" sz="1400">
+              <a:solidFill>
+                <a:schemeClr val="tx1"/>
+              </a:solidFill>
+            </a:endParaRPr>
+          </a:p>
+          <a:p>
+            <a:r>
+              <a:rPr lang="en-US" sz="1400">
+                <a:solidFill>
+                  <a:schemeClr val="tx1"/>
+                </a:solidFill>
+              </a:rPr>
+              <a:t>Completion times (minutes): {25, 28, 32, 30, 27}</a:t>
+            </a:r>
+            <a:endParaRPr lang="en-US" sz="1400">
+              <a:solidFill>
+                <a:schemeClr val="tx1"/>
+              </a:solidFill>
+            </a:endParaRPr>
+          </a:p>
+          <a:p>
+            <a:endParaRPr lang="en-US" sz="1400">
+              <a:solidFill>
+                <a:schemeClr val="tx1"/>
+              </a:solidFill>
+            </a:endParaRPr>
+          </a:p>
+          <a:p>
+            <a:r>
+              <a:rPr lang="en-US" sz="1400">
+                <a:solidFill>
+                  <a:schemeClr val="tx1"/>
+                </a:solidFill>
+              </a:rPr>
+              <a:t>Claimed Average Completion Time: 30 minutes</a:t>
+            </a:r>
+            <a:endParaRPr lang="en-US" sz="1400">
+              <a:solidFill>
+                <a:schemeClr val="tx1"/>
+              </a:solidFill>
+            </a:endParaRPr>
+          </a:p>
+          <a:p>
+            <a:endParaRPr lang="en-US" sz="1400">
+              <a:solidFill>
+                <a:schemeClr val="tx1"/>
+              </a:solidFill>
+            </a:endParaRPr>
+          </a:p>
+          <a:p>
+            <a:r>
+              <a:rPr lang="en-US" sz="1400">
+                <a:solidFill>
+                  <a:schemeClr val="tx1"/>
+                </a:solidFill>
+              </a:rPr>
+              <a:t>----------------------------------------</a:t>
+            </a:r>
+            <a:endParaRPr lang="en-US" sz="1400">
+              <a:solidFill>
+                <a:schemeClr val="tx1"/>
+              </a:solidFill>
+            </a:endParaRPr>
+          </a:p>
+          <a:p>
+            <a:endParaRPr lang="en-US" sz="1400">
+              <a:solidFill>
+                <a:schemeClr val="tx1"/>
+              </a:solidFill>
+            </a:endParaRPr>
+          </a:p>
+          <a:p>
+            <a:r>
+              <a:rPr lang="en-US" sz="1400">
+                <a:solidFill>
+                  <a:schemeClr val="tx1"/>
+                </a:solidFill>
+              </a:rPr>
+              <a:t>1. Calculate Sample Mean (𝑋̅):</a:t>
+            </a:r>
+            <a:endParaRPr lang="en-US" sz="1400">
+              <a:solidFill>
+                <a:schemeClr val="tx1"/>
+              </a:solidFill>
+            </a:endParaRPr>
+          </a:p>
+          <a:p>
+            <a:r>
+              <a:rPr lang="en-US" sz="1400">
+                <a:solidFill>
+                  <a:schemeClr val="tx1"/>
+                </a:solidFill>
+              </a:rPr>
+              <a:t> 𝑋̅ = (25 + 28 + 32 + 30 + 27) / 5 = 28.4</a:t>
+            </a:r>
+            <a:endParaRPr lang="en-US" sz="1400">
+              <a:solidFill>
+                <a:schemeClr val="tx1"/>
+              </a:solidFill>
+            </a:endParaRPr>
+          </a:p>
+          <a:p>
+            <a:endParaRPr lang="en-US" sz="1400">
+              <a:solidFill>
+                <a:schemeClr val="tx1"/>
+              </a:solidFill>
+            </a:endParaRPr>
+          </a:p>
+          <a:p>
+            <a:r>
+              <a:rPr lang="en-US" sz="1400">
+                <a:solidFill>
+                  <a:schemeClr val="tx1"/>
+                </a:solidFill>
+              </a:rPr>
+              <a:t>2. Calculate Sample Standard Deviation (𝑠):</a:t>
+            </a:r>
+            <a:endParaRPr lang="en-US" sz="1400">
+              <a:solidFill>
+                <a:schemeClr val="tx1"/>
+              </a:solidFill>
+            </a:endParaRPr>
+          </a:p>
+          <a:p>
+            <a:pPr lvl="1"/>
+            <a:r>
+              <a:rPr lang="en-US" sz="1400">
+                <a:solidFill>
+                  <a:schemeClr val="tx1"/>
+                </a:solidFill>
+              </a:rPr>
+              <a:t>Differences from mean: {-3.4, -0.4, 3.6, 1.6, -1.4}</a:t>
+            </a:r>
+            <a:endParaRPr lang="en-US" sz="1400">
+              <a:solidFill>
+                <a:schemeClr val="tx1"/>
+              </a:solidFill>
+            </a:endParaRPr>
+          </a:p>
+          <a:p>
+            <a:pPr lvl="1"/>
+            <a:r>
+              <a:rPr lang="en-US" sz="1400">
+                <a:solidFill>
+                  <a:schemeClr val="tx1"/>
+                </a:solidFill>
+              </a:rPr>
+              <a:t>Squared differences: {11.56, 0.16, 12.96, 2.56, 1.96}</a:t>
+            </a:r>
+            <a:endParaRPr lang="en-US" sz="1400">
+              <a:solidFill>
+                <a:schemeClr val="tx1"/>
+              </a:solidFill>
+            </a:endParaRPr>
+          </a:p>
+          <a:p>
+            <a:pPr lvl="1"/>
+            <a:r>
+              <a:rPr lang="en-US" sz="1400">
+                <a:solidFill>
+                  <a:schemeClr val="tx1"/>
+                </a:solidFill>
+              </a:rPr>
+              <a:t>Variance = (11.56 + 0.16 + 12.96 + 2.56 + 1.96) / (5 - 1) = 7.3</a:t>
+            </a:r>
+            <a:endParaRPr lang="en-US" sz="1400">
+              <a:solidFill>
+                <a:schemeClr val="tx1"/>
+              </a:solidFill>
+            </a:endParaRPr>
+          </a:p>
+          <a:p>
+            <a:pPr lvl="1"/>
+            <a:r>
+              <a:rPr lang="en-US" sz="1600">
+                <a:solidFill>
+                  <a:schemeClr val="tx1"/>
+                </a:solidFill>
+              </a:rPr>
+              <a:t>𝑠 = √7.3 ≈ 2.70</a:t>
+            </a:r>
+            <a:endParaRPr lang="en-US" sz="1600">
+              <a:solidFill>
+                <a:schemeClr val="tx1"/>
+              </a:solidFill>
+            </a:endParaRPr>
+          </a:p>
+          <a:p>
+            <a:endParaRPr lang="en-US" sz="1600">
+              <a:solidFill>
+                <a:schemeClr val="tx1"/>
+              </a:solidFill>
+            </a:endParaRPr>
+          </a:p>
+          <a:p>
+            <a:r>
+              <a:rPr lang="en-US" sz="1400">
+                <a:solidFill>
+                  <a:schemeClr val="tx1"/>
+                </a:solidFill>
+              </a:rPr>
+              <a:t>3. Calculate t-Statistic:</a:t>
+            </a:r>
+            <a:endParaRPr lang="en-US" sz="1400">
+              <a:solidFill>
+                <a:schemeClr val="tx1"/>
+              </a:solidFill>
+            </a:endParaRPr>
+          </a:p>
+          <a:p>
+            <a:pPr indent="457200"/>
+            <a:r>
+              <a:rPr lang="en-US" sz="1400">
+                <a:solidFill>
+                  <a:schemeClr val="tx1"/>
+                </a:solidFill>
+              </a:rPr>
+              <a:t>𝑡 = (28.4 - 30) / (2.70 / √5) ≈ -1.49</a:t>
+            </a:r>
+            <a:endParaRPr lang="en-US" sz="1400">
+              <a:solidFill>
+                <a:schemeClr val="tx1"/>
+              </a:solidFill>
+            </a:endParaRPr>
+          </a:p>
+          <a:p>
+            <a:endParaRPr lang="en-US" sz="1400">
+              <a:solidFill>
+                <a:schemeClr val="tx1"/>
+              </a:solidFill>
+            </a:endParaRPr>
+          </a:p>
+          <a:p>
+            <a:r>
+              <a:rPr lang="en-US" sz="1400">
+                <a:solidFill>
+                  <a:schemeClr val="tx1"/>
+                </a:solidFill>
+              </a:rPr>
+              <a:t>----------------------------------------</a:t>
+            </a:r>
+            <a:endParaRPr lang="en-US" sz="1400">
+              <a:solidFill>
+                <a:schemeClr val="tx1"/>
+              </a:solidFill>
+            </a:endParaRPr>
+          </a:p>
+          <a:p>
+            <a:endParaRPr lang="en-US" sz="1400">
+              <a:solidFill>
+                <a:schemeClr val="tx1"/>
+              </a:solidFill>
+            </a:endParaRPr>
+          </a:p>
+          <a:p>
+            <a:r>
+              <a:rPr lang="en-US" sz="1400">
+                <a:solidFill>
+                  <a:schemeClr val="tx1"/>
+                </a:solidFill>
+              </a:rPr>
+              <a:t>Conclusion:</a:t>
+            </a:r>
+            <a:endParaRPr lang="en-US" sz="1400">
+              <a:solidFill>
+                <a:schemeClr val="tx1"/>
+              </a:solidFill>
+            </a:endParaRPr>
+          </a:p>
+          <a:p>
+            <a:r>
+              <a:rPr lang="en-US" sz="1400">
+                <a:solidFill>
+                  <a:schemeClr val="tx1"/>
+                </a:solidFill>
+              </a:rPr>
+              <a:t>The calculated t-value of -1.49 does not fall within the critical region at a 95% confidence level with 4 degrees of freedom. Therefore, we fail to reject the null hypothesis.</a:t>
+            </a:r>
+            <a:endParaRPr lang="en-US" sz="1400">
+              <a:solidFill>
+                <a:schemeClr val="tx1"/>
+              </a:solidFill>
+            </a:endParaRPr>
+          </a:p>
+          <a:p>
+            <a:endParaRPr lang="en-US" sz="1400">
+              <a:solidFill>
+                <a:schemeClr val="tx1"/>
+              </a:solidFill>
+            </a:endParaRPr>
+          </a:p>
+          <a:p>
+            <a:r>
+              <a:rPr lang="en-US" sz="1400">
+                <a:solidFill>
+                  <a:schemeClr val="tx1"/>
+                </a:solidFill>
+              </a:rPr>
+              <a:t>There is not enough evidence to suggest that the average completion time significantly differs from the claimed average of 30 minutes based on this sample data.</a:t>
+            </a:r>
+            <a:endParaRPr lang="en-US" sz="1400">
+              <a:solidFill>
+                <a:schemeClr val="tx1"/>
+              </a:solidFill>
+            </a:endParaRPr>
+          </a:p>
+          <a:p>
+            <a:endParaRPr lang="en-US" sz="1400">
+              <a:solidFill>
+                <a:schemeClr val="tx1"/>
+              </a:solidFill>
+            </a:endParaRPr>
+          </a:p>
+          <a:p>
+            <a:endParaRPr lang="en-US" sz="1400">
+              <a:solidFill>
+                <a:schemeClr val="tx1"/>
+              </a:solidFill>
+            </a:endParaRPr>
+          </a:p>
+        </p:txBody>
+      </p:sp>
+      <p:sp>
+        <p:nvSpPr>
+          <p:cNvPr id="4" name="Text Box 3"/>
+          <p:cNvSpPr txBox="1"/>
+          <p:nvPr/>
+        </p:nvSpPr>
+        <p:spPr>
+          <a:xfrm>
+            <a:off x="76200" y="228600"/>
+            <a:ext cx="6096000" cy="460375"/>
+          </a:xfrm>
+          <a:prstGeom prst="rect">
+            <a:avLst/>
+          </a:prstGeom>
+          <a:noFill/>
+        </p:spPr>
+        <p:txBody>
+          <a:bodyPr wrap="square" rtlCol="0" anchor="t">
+            <a:spAutoFit/>
+          </a:bodyPr>
+          <a:p>
+            <a:r>
+              <a:rPr lang="en-US" sz="2400">
+                <a:sym typeface="+mn-ea"/>
+              </a:rPr>
+              <a:t>One-Sample T-Test Results</a:t>
+            </a:r>
+            <a:endParaRPr lang="en-US" sz="2400">
+              <a:sym typeface="+mn-ea"/>
+            </a:endParaRPr>
+          </a:p>
+        </p:txBody>
+      </p:sp>
+      <p:sp>
+        <p:nvSpPr>
+          <p:cNvPr id="5" name="Text Box 4"/>
+          <p:cNvSpPr txBox="1"/>
+          <p:nvPr/>
+        </p:nvSpPr>
+        <p:spPr>
+          <a:xfrm>
+            <a:off x="4876800" y="1219200"/>
+            <a:ext cx="6096000" cy="1198880"/>
+          </a:xfrm>
+          <a:prstGeom prst="rect">
+            <a:avLst/>
+          </a:prstGeom>
+          <a:noFill/>
+        </p:spPr>
+        <p:txBody>
+          <a:bodyPr wrap="square" rtlCol="0" anchor="t">
+            <a:spAutoFit/>
+          </a:bodyPr>
+          <a:p>
+            <a:r>
+              <a:rPr lang="en-US"/>
+              <a:t>To make a conclusion, we would compare this calculated t-value to a critical value from the t-distribution table with </a:t>
+            </a:r>
+            <a:endParaRPr lang="en-US"/>
+          </a:p>
+          <a:p>
+            <a:r>
+              <a:rPr lang="en-US"/>
+              <a:t>n−1 degrees of freedom (in this case, 5-1= 4) at a certain confidence level (e.g., 95%).</a:t>
+            </a:r>
+            <a:endParaRPr lang="en-US"/>
+          </a:p>
+        </p:txBody>
+      </p:sp>
+    </p:spTree>
+  </p:cSld>
+  <p:clrMapOvr>
+    <a:masterClrMapping/>
+  </p:clrMapOvr>
+</p:sld>
+</file>
+
 <file path=ppt/slides/slide2.xml><?xml version="1.0" encoding="utf-8"?>
 <p:sld xmlns:a="http://schemas.openxmlformats.org/drawingml/2006/main" xmlns:r="http://schemas.openxmlformats.org/officeDocument/2006/relationships" xmlns:p="http://schemas.openxmlformats.org/presentationml/2006/main" showMasterSp="0">
   <p:cSld>
@@ -13518,13 +15608,35 @@
             </a:endParaRPr>
           </a:p>
           <a:p>
+            <a:endParaRPr lang="en-US" sz="2400">
+              <a:solidFill>
+                <a:schemeClr val="tx1"/>
+              </a:solidFill>
+            </a:endParaRPr>
+          </a:p>
+          <a:p>
             <a:r>
               <a:rPr lang="en-US" sz="2400">
                 <a:solidFill>
                   <a:schemeClr val="tx1"/>
                 </a:solidFill>
               </a:rPr>
-              <a:t>H0: My height is lower or equal to the average height in the class. H1: My height is higher than the average height in the class.</a:t>
+              <a:t>H0: My height is lower or equal to the average height in the class.</a:t>
+            </a:r>
+            <a:endParaRPr lang="en-US" sz="2400">
+              <a:solidFill>
+                <a:schemeClr val="tx1"/>
+              </a:solidFill>
+            </a:endParaRPr>
+          </a:p>
+          <a:p>
+            <a:r>
+              <a:rPr lang="en-US" sz="2400">
+                <a:solidFill>
+                  <a:schemeClr val="tx1"/>
+                </a:solidFill>
+              </a:rPr>
+              <a:t>H1: My height is higher than the average height in the class.</a:t>
             </a:r>
             <a:endParaRPr lang="en-US" sz="2400">
               <a:solidFill>
@@ -17480,28 +19592,6 @@
           </a:p>
         </p:txBody>
       </p:sp>
-      <p:pic>
-        <p:nvPicPr>
-          <p:cNvPr id="5" name="object 5"/>
-          <p:cNvPicPr/>
-          <p:nvPr/>
-        </p:nvPicPr>
-        <p:blipFill>
-          <a:blip r:embed="rId2" cstate="print"/>
-          <a:stretch>
-            <a:fillRect/>
-          </a:stretch>
-        </p:blipFill>
-        <p:spPr>
-          <a:xfrm>
-            <a:off x="10248900" y="6513574"/>
-            <a:ext cx="1874520" cy="275844"/>
-          </a:xfrm>
-          <a:prstGeom prst="rect">
-            <a:avLst/>
-          </a:prstGeom>
-        </p:spPr>
-      </p:pic>
       <p:grpSp>
         <p:nvGrpSpPr>
           <p:cNvPr id="6" name="object 6"/>
@@ -17523,7 +19613,7 @@
             <p:nvPr/>
           </p:nvPicPr>
           <p:blipFill>
-            <a:blip r:embed="rId3" cstate="print"/>
+            <a:blip r:embed="rId2" cstate="print"/>
             <a:stretch>
               <a:fillRect/>
             </a:stretch>
@@ -19304,7 +21394,7 @@
           <p:nvPr/>
         </p:nvPicPr>
         <p:blipFill>
-          <a:blip r:embed="rId4" cstate="print"/>
+          <a:blip r:embed="rId3" cstate="print"/>
           <a:stretch>
             <a:fillRect/>
           </a:stretch>
@@ -19905,28 +21995,6 @@
           </a:p>
         </p:txBody>
       </p:sp>
-      <p:pic>
-        <p:nvPicPr>
-          <p:cNvPr id="3" name="object 3"/>
-          <p:cNvPicPr/>
-          <p:nvPr/>
-        </p:nvPicPr>
-        <p:blipFill>
-          <a:blip r:embed="rId1" cstate="print"/>
-          <a:stretch>
-            <a:fillRect/>
-          </a:stretch>
-        </p:blipFill>
-        <p:spPr>
-          <a:xfrm>
-            <a:off x="10248900" y="6513574"/>
-            <a:ext cx="1874520" cy="275844"/>
-          </a:xfrm>
-          <a:prstGeom prst="rect">
-            <a:avLst/>
-          </a:prstGeom>
-        </p:spPr>
-      </p:pic>
       <p:sp>
         <p:nvSpPr>
           <p:cNvPr id="8" name="Content Placeholder 7"/>
@@ -20736,7 +22804,7 @@
           <p:nvPr/>
         </p:nvPicPr>
         <p:blipFill>
-          <a:blip r:embed="rId2" cstate="print"/>
+          <a:blip r:embed="rId1" cstate="print"/>
           <a:stretch>
             <a:fillRect/>
           </a:stretch>
@@ -21447,7 +23515,7 @@
                 </a:uFill>
                 <a:latin typeface="Segoe UI" panose="020B0502040204020203"/>
                 <a:cs typeface="Segoe UI" panose="020B0502040204020203"/>
-                <a:hlinkClick r:id="rId3"/>
+                <a:hlinkClick r:id="rId2"/>
               </a:rPr>
               <a:t>If</a:t>
             </a:r>
@@ -21463,7 +23531,7 @@
                 </a:uFill>
                 <a:latin typeface="Segoe UI" panose="020B0502040204020203"/>
                 <a:cs typeface="Segoe UI" panose="020B0502040204020203"/>
-                <a:hlinkClick r:id="rId3"/>
+                <a:hlinkClick r:id="rId2"/>
               </a:rPr>
               <a:t> </a:t>
             </a:r>
@@ -21479,7 +23547,7 @@
                 </a:uFill>
                 <a:latin typeface="Segoe UI" panose="020B0502040204020203"/>
                 <a:cs typeface="Segoe UI" panose="020B0502040204020203"/>
-                <a:hlinkClick r:id="rId3"/>
+                <a:hlinkClick r:id="rId2"/>
               </a:rPr>
               <a:t>you</a:t>
             </a:r>
@@ -21495,7 +23563,7 @@
                 </a:uFill>
                 <a:latin typeface="Segoe UI" panose="020B0502040204020203"/>
                 <a:cs typeface="Segoe UI" panose="020B0502040204020203"/>
-                <a:hlinkClick r:id="rId3"/>
+                <a:hlinkClick r:id="rId2"/>
               </a:rPr>
               <a:t> </a:t>
             </a:r>
@@ -21511,7 +23579,7 @@
                 </a:uFill>
                 <a:latin typeface="Segoe UI" panose="020B0502040204020203"/>
                 <a:cs typeface="Segoe UI" panose="020B0502040204020203"/>
-                <a:hlinkClick r:id="rId3"/>
+                <a:hlinkClick r:id="rId2"/>
               </a:rPr>
               <a:t>want</a:t>
             </a:r>
@@ -21527,7 +23595,7 @@
                 </a:uFill>
                 <a:latin typeface="Segoe UI" panose="020B0502040204020203"/>
                 <a:cs typeface="Segoe UI" panose="020B0502040204020203"/>
-                <a:hlinkClick r:id="rId3"/>
+                <a:hlinkClick r:id="rId2"/>
               </a:rPr>
               <a:t> </a:t>
             </a:r>
@@ -21543,7 +23611,7 @@
                 </a:uFill>
                 <a:latin typeface="Segoe UI" panose="020B0502040204020203"/>
                 <a:cs typeface="Segoe UI" panose="020B0502040204020203"/>
-                <a:hlinkClick r:id="rId3"/>
+                <a:hlinkClick r:id="rId2"/>
               </a:rPr>
               <a:t>to</a:t>
             </a:r>
@@ -21559,7 +23627,7 @@
                 </a:uFill>
                 <a:latin typeface="Segoe UI" panose="020B0502040204020203"/>
                 <a:cs typeface="Segoe UI" panose="020B0502040204020203"/>
-                <a:hlinkClick r:id="rId3"/>
+                <a:hlinkClick r:id="rId2"/>
               </a:rPr>
               <a:t> find</a:t>
             </a:r>
@@ -21575,7 +23643,7 @@
                 </a:uFill>
                 <a:latin typeface="Segoe UI" panose="020B0502040204020203"/>
                 <a:cs typeface="Segoe UI" panose="020B0502040204020203"/>
-                <a:hlinkClick r:id="rId3"/>
+                <a:hlinkClick r:id="rId2"/>
               </a:rPr>
               <a:t> </a:t>
             </a:r>
@@ -21591,7 +23659,7 @@
                 </a:uFill>
                 <a:latin typeface="Segoe UI" panose="020B0502040204020203"/>
                 <a:cs typeface="Segoe UI" panose="020B0502040204020203"/>
-                <a:hlinkClick r:id="rId3"/>
+                <a:hlinkClick r:id="rId2"/>
               </a:rPr>
               <a:t>out </a:t>
             </a:r>
@@ -21607,7 +23675,7 @@
                 </a:uFill>
                 <a:latin typeface="Segoe UI" panose="020B0502040204020203"/>
                 <a:cs typeface="Segoe UI" panose="020B0502040204020203"/>
-                <a:hlinkClick r:id="rId3"/>
+                <a:hlinkClick r:id="rId2"/>
               </a:rPr>
               <a:t>more</a:t>
             </a:r>
@@ -21623,7 +23691,7 @@
                 </a:uFill>
                 <a:latin typeface="Segoe UI" panose="020B0502040204020203"/>
                 <a:cs typeface="Segoe UI" panose="020B0502040204020203"/>
-                <a:hlinkClick r:id="rId3"/>
+                <a:hlinkClick r:id="rId2"/>
               </a:rPr>
               <a:t> </a:t>
             </a:r>
@@ -21639,7 +23707,7 @@
                 </a:uFill>
                 <a:latin typeface="Segoe UI" panose="020B0502040204020203"/>
                 <a:cs typeface="Segoe UI" panose="020B0502040204020203"/>
-                <a:hlinkClick r:id="rId3"/>
+                <a:hlinkClick r:id="rId2"/>
               </a:rPr>
               <a:t>about</a:t>
             </a:r>
@@ -21655,7 +23723,7 @@
                 </a:uFill>
                 <a:latin typeface="Segoe UI" panose="020B0502040204020203"/>
                 <a:cs typeface="Segoe UI" panose="020B0502040204020203"/>
-                <a:hlinkClick r:id="rId3"/>
+                <a:hlinkClick r:id="rId2"/>
               </a:rPr>
               <a:t> </a:t>
             </a:r>
@@ -21671,7 +23739,7 @@
                 </a:uFill>
                 <a:latin typeface="Segoe UI" panose="020B0502040204020203"/>
                 <a:cs typeface="Segoe UI" panose="020B0502040204020203"/>
-                <a:hlinkClick r:id="rId3"/>
+                <a:hlinkClick r:id="rId2"/>
               </a:rPr>
               <a:t>statistical</a:t>
             </a:r>
@@ -21687,7 +23755,7 @@
                 </a:uFill>
                 <a:latin typeface="Segoe UI" panose="020B0502040204020203"/>
                 <a:cs typeface="Segoe UI" panose="020B0502040204020203"/>
-                <a:hlinkClick r:id="rId3"/>
+                <a:hlinkClick r:id="rId2"/>
               </a:rPr>
               <a:t> </a:t>
             </a:r>
@@ -21703,7 +23771,7 @@
                 </a:uFill>
                 <a:latin typeface="Segoe UI" panose="020B0502040204020203"/>
                 <a:cs typeface="Segoe UI" panose="020B0502040204020203"/>
-                <a:hlinkClick r:id="rId3"/>
+                <a:hlinkClick r:id="rId2"/>
               </a:rPr>
               <a:t>errors,</a:t>
             </a:r>
@@ -21719,7 +23787,7 @@
                 </a:uFill>
                 <a:latin typeface="Segoe UI" panose="020B0502040204020203"/>
                 <a:cs typeface="Segoe UI" panose="020B0502040204020203"/>
-                <a:hlinkClick r:id="rId3"/>
+                <a:hlinkClick r:id="rId2"/>
               </a:rPr>
               <a:t> </a:t>
             </a:r>
@@ -21735,7 +23803,7 @@
                 </a:uFill>
                 <a:latin typeface="Segoe UI" panose="020B0502040204020203"/>
                 <a:cs typeface="Segoe UI" panose="020B0502040204020203"/>
-                <a:hlinkClick r:id="rId3"/>
+                <a:hlinkClick r:id="rId2"/>
               </a:rPr>
               <a:t>just</a:t>
             </a:r>
@@ -21751,7 +23819,7 @@
                 </a:uFill>
                 <a:latin typeface="Segoe UI" panose="020B0502040204020203"/>
                 <a:cs typeface="Segoe UI" panose="020B0502040204020203"/>
-                <a:hlinkClick r:id="rId3"/>
+                <a:hlinkClick r:id="rId2"/>
               </a:rPr>
               <a:t> </a:t>
             </a:r>
@@ -21767,7 +23835,7 @@
                 </a:uFill>
                 <a:latin typeface="Segoe UI" panose="020B0502040204020203"/>
                 <a:cs typeface="Segoe UI" panose="020B0502040204020203"/>
-                <a:hlinkClick r:id="rId3"/>
+                <a:hlinkClick r:id="rId2"/>
               </a:rPr>
               <a:t>follow</a:t>
             </a:r>
@@ -21783,7 +23851,7 @@
                 </a:uFill>
                 <a:latin typeface="Segoe UI" panose="020B0502040204020203"/>
                 <a:cs typeface="Segoe UI" panose="020B0502040204020203"/>
-                <a:hlinkClick r:id="rId3"/>
+                <a:hlinkClick r:id="rId2"/>
               </a:rPr>
               <a:t> </a:t>
             </a:r>
@@ -21799,7 +23867,7 @@
                 </a:uFill>
                 <a:latin typeface="Segoe UI" panose="020B0502040204020203"/>
                 <a:cs typeface="Segoe UI" panose="020B0502040204020203"/>
-                <a:hlinkClick r:id="rId3"/>
+                <a:hlinkClick r:id="rId2"/>
               </a:rPr>
               <a:t>this</a:t>
             </a:r>
@@ -21815,7 +23883,7 @@
                 </a:uFill>
                 <a:latin typeface="Segoe UI" panose="020B0502040204020203"/>
                 <a:cs typeface="Segoe UI" panose="020B0502040204020203"/>
-                <a:hlinkClick r:id="rId3"/>
+                <a:hlinkClick r:id="rId2"/>
               </a:rPr>
               <a:t> </a:t>
             </a:r>
@@ -21831,7 +23899,7 @@
                 </a:uFill>
                 <a:latin typeface="Segoe UI" panose="020B0502040204020203"/>
                 <a:cs typeface="Segoe UI" panose="020B0502040204020203"/>
-                <a:hlinkClick r:id="rId3"/>
+                <a:hlinkClick r:id="rId2"/>
               </a:rPr>
               <a:t>link</a:t>
             </a:r>
@@ -21847,7 +23915,7 @@
                 </a:uFill>
                 <a:latin typeface="Segoe UI" panose="020B0502040204020203"/>
                 <a:cs typeface="Segoe UI" panose="020B0502040204020203"/>
-                <a:hlinkClick r:id="rId3"/>
+                <a:hlinkClick r:id="rId2"/>
               </a:rPr>
               <a:t> </a:t>
             </a:r>
@@ -21863,7 +23931,7 @@
                 </a:uFill>
                 <a:latin typeface="Segoe UI" panose="020B0502040204020203"/>
                 <a:cs typeface="Segoe UI" panose="020B0502040204020203"/>
-                <a:hlinkClick r:id="rId3"/>
+                <a:hlinkClick r:id="rId2"/>
               </a:rPr>
               <a:t>for</a:t>
             </a:r>
@@ -21879,7 +23947,7 @@
                 </a:uFill>
                 <a:latin typeface="Segoe UI" panose="020B0502040204020203"/>
                 <a:cs typeface="Segoe UI" panose="020B0502040204020203"/>
-                <a:hlinkClick r:id="rId3"/>
+                <a:hlinkClick r:id="rId2"/>
               </a:rPr>
               <a:t> </a:t>
             </a:r>
@@ -21895,7 +23963,7 @@
                 </a:uFill>
                 <a:latin typeface="Segoe UI" panose="020B0502040204020203"/>
                 <a:cs typeface="Segoe UI" panose="020B0502040204020203"/>
-                <a:hlinkClick r:id="rId3"/>
+                <a:hlinkClick r:id="rId2"/>
               </a:rPr>
               <a:t>an</a:t>
             </a:r>
@@ -21911,7 +23979,7 @@
                 </a:uFill>
                 <a:latin typeface="Segoe UI" panose="020B0502040204020203"/>
                 <a:cs typeface="Segoe UI" panose="020B0502040204020203"/>
-                <a:hlinkClick r:id="rId3"/>
+                <a:hlinkClick r:id="rId2"/>
               </a:rPr>
               <a:t> </a:t>
             </a:r>
@@ -21927,7 +23995,7 @@
                 </a:uFill>
                 <a:latin typeface="Segoe UI" panose="020B0502040204020203"/>
                 <a:cs typeface="Segoe UI" panose="020B0502040204020203"/>
-                <a:hlinkClick r:id="rId3"/>
+                <a:hlinkClick r:id="rId2"/>
               </a:rPr>
               <a:t>article</a:t>
             </a:r>
@@ -21943,7 +24011,7 @@
                 </a:uFill>
                 <a:latin typeface="Segoe UI" panose="020B0502040204020203"/>
                 <a:cs typeface="Segoe UI" panose="020B0502040204020203"/>
-                <a:hlinkClick r:id="rId3"/>
+                <a:hlinkClick r:id="rId2"/>
               </a:rPr>
               <a:t> </a:t>
             </a:r>
@@ -21959,7 +24027,7 @@
                 </a:uFill>
                 <a:latin typeface="Segoe UI" panose="020B0502040204020203"/>
                 <a:cs typeface="Segoe UI" panose="020B0502040204020203"/>
-                <a:hlinkClick r:id="rId3"/>
+                <a:hlinkClick r:id="rId2"/>
               </a:rPr>
               <a:t>written</a:t>
             </a:r>
@@ -21975,7 +24043,7 @@
                 </a:uFill>
                 <a:latin typeface="Segoe UI" panose="020B0502040204020203"/>
                 <a:cs typeface="Segoe UI" panose="020B0502040204020203"/>
-                <a:hlinkClick r:id="rId3"/>
+                <a:hlinkClick r:id="rId2"/>
               </a:rPr>
               <a:t> </a:t>
             </a:r>
@@ -21991,7 +24059,7 @@
                 </a:uFill>
                 <a:latin typeface="Segoe UI" panose="020B0502040204020203"/>
                 <a:cs typeface="Segoe UI" panose="020B0502040204020203"/>
-                <a:hlinkClick r:id="rId3"/>
+                <a:hlinkClick r:id="rId2"/>
               </a:rPr>
               <a:t>by </a:t>
             </a:r>
@@ -22007,7 +24075,7 @@
                 </a:uFill>
                 <a:latin typeface="Segoe UI" panose="020B0502040204020203"/>
                 <a:cs typeface="Segoe UI" panose="020B0502040204020203"/>
-                <a:hlinkClick r:id="rId3"/>
+                <a:hlinkClick r:id="rId2"/>
               </a:rPr>
               <a:t>your</a:t>
             </a:r>
@@ -22023,7 +24091,7 @@
                 </a:uFill>
                 <a:latin typeface="Segoe UI" panose="020B0502040204020203"/>
                 <a:cs typeface="Segoe UI" panose="020B0502040204020203"/>
-                <a:hlinkClick r:id="rId3"/>
+                <a:hlinkClick r:id="rId2"/>
               </a:rPr>
               <a:t> </a:t>
             </a:r>
@@ -22039,7 +24107,7 @@
                 </a:uFill>
                 <a:latin typeface="Segoe UI" panose="020B0502040204020203"/>
                 <a:cs typeface="Segoe UI" panose="020B0502040204020203"/>
-                <a:hlinkClick r:id="rId3"/>
+                <a:hlinkClick r:id="rId2"/>
               </a:rPr>
               <a:t>instructor.</a:t>
             </a:r>
@@ -22061,7 +24129,7 @@
           </p:nvPr>
         </p:nvPicPr>
         <p:blipFill>
-          <a:blip r:embed="rId4"/>
+          <a:blip r:embed="rId3"/>
           <a:stretch>
             <a:fillRect/>
           </a:stretch>
